--- a/docs/20210518_PrepforErinMeeting.pptx
+++ b/docs/20210518_PrepforErinMeeting.pptx
@@ -4,6 +4,9 @@
   <p:sldMasterIdLst>
     <p:sldMasterId id="2147483648" r:id="rId1"/>
   </p:sldMasterIdLst>
+  <p:notesMasterIdLst>
+    <p:notesMasterId r:id="rId11"/>
+  </p:notesMasterIdLst>
   <p:sldIdLst>
     <p:sldId id="256" r:id="rId2"/>
     <p:sldId id="258" r:id="rId3"/>
@@ -12,6 +15,8 @@
     <p:sldId id="260" r:id="rId6"/>
     <p:sldId id="261" r:id="rId7"/>
     <p:sldId id="263" r:id="rId8"/>
+    <p:sldId id="264" r:id="rId9"/>
+    <p:sldId id="265" r:id="rId10"/>
   </p:sldIdLst>
   <p:sldSz cx="12192000" cy="6858000"/>
   <p:notesSz cx="6858000" cy="9144000"/>
@@ -110,7 +115,634 @@
       </a:defRPr>
     </a:lvl9pPr>
   </p:defaultTextStyle>
+  <p:extLst>
+    <p:ext uri="{EFAFB233-063F-42B5-8137-9DF3F51BA10A}">
+      <p15:sldGuideLst xmlns:p15="http://schemas.microsoft.com/office/powerpoint/2012/main"/>
+    </p:ext>
+  </p:extLst>
 </p:presentation>
+</file>
+
+<file path=ppt/notesMasters/notesMaster1.xml><?xml version="1.0" encoding="utf-8"?>
+<p:notesMaster xmlns:a="http://schemas.openxmlformats.org/drawingml/2006/main" xmlns:r="http://schemas.openxmlformats.org/officeDocument/2006/relationships" xmlns:p="http://schemas.openxmlformats.org/presentationml/2006/main">
+  <p:cSld>
+    <p:bg>
+      <p:bgRef idx="1001">
+        <a:schemeClr val="bg1"/>
+      </p:bgRef>
+    </p:bg>
+    <p:spTree>
+      <p:nvGrpSpPr>
+        <p:cNvPr id="1" name=""/>
+        <p:cNvGrpSpPr/>
+        <p:nvPr/>
+      </p:nvGrpSpPr>
+      <p:grpSpPr>
+        <a:xfrm>
+          <a:off x="0" y="0"/>
+          <a:ext cx="0" cy="0"/>
+          <a:chOff x="0" y="0"/>
+          <a:chExt cx="0" cy="0"/>
+        </a:xfrm>
+      </p:grpSpPr>
+      <p:sp>
+        <p:nvSpPr>
+          <p:cNvPr id="2" name="Header Placeholder 1"/>
+          <p:cNvSpPr>
+            <a:spLocks noGrp="1"/>
+          </p:cNvSpPr>
+          <p:nvPr>
+            <p:ph type="hdr" sz="quarter"/>
+          </p:nvPr>
+        </p:nvSpPr>
+        <p:spPr>
+          <a:xfrm>
+            <a:off x="0" y="0"/>
+            <a:ext cx="2971800" cy="458788"/>
+          </a:xfrm>
+          <a:prstGeom prst="rect">
+            <a:avLst/>
+          </a:prstGeom>
+        </p:spPr>
+        <p:txBody>
+          <a:bodyPr vert="horz" lIns="91440" tIns="45720" rIns="91440" bIns="45720" rtlCol="0"/>
+          <a:lstStyle>
+            <a:lvl1pPr algn="l">
+              <a:defRPr sz="1200"/>
+            </a:lvl1pPr>
+          </a:lstStyle>
+          <a:p>
+            <a:endParaRPr lang="en-US"/>
+          </a:p>
+        </p:txBody>
+      </p:sp>
+      <p:sp>
+        <p:nvSpPr>
+          <p:cNvPr id="3" name="Date Placeholder 2"/>
+          <p:cNvSpPr>
+            <a:spLocks noGrp="1"/>
+          </p:cNvSpPr>
+          <p:nvPr>
+            <p:ph type="dt" idx="1"/>
+          </p:nvPr>
+        </p:nvSpPr>
+        <p:spPr>
+          <a:xfrm>
+            <a:off x="3884613" y="0"/>
+            <a:ext cx="2971800" cy="458788"/>
+          </a:xfrm>
+          <a:prstGeom prst="rect">
+            <a:avLst/>
+          </a:prstGeom>
+        </p:spPr>
+        <p:txBody>
+          <a:bodyPr vert="horz" lIns="91440" tIns="45720" rIns="91440" bIns="45720" rtlCol="0"/>
+          <a:lstStyle>
+            <a:lvl1pPr algn="r">
+              <a:defRPr sz="1200"/>
+            </a:lvl1pPr>
+          </a:lstStyle>
+          <a:p>
+            <a:fld id="{84867621-1429-AB4F-A7B6-91B16D03F8BF}" type="datetimeFigureOut">
+              <a:rPr lang="en-US" smtClean="0"/>
+              <a:t>5/17/21</a:t>
+            </a:fld>
+            <a:endParaRPr lang="en-US"/>
+          </a:p>
+        </p:txBody>
+      </p:sp>
+      <p:sp>
+        <p:nvSpPr>
+          <p:cNvPr id="4" name="Slide Image Placeholder 3"/>
+          <p:cNvSpPr>
+            <a:spLocks noGrp="1" noRot="1" noChangeAspect="1"/>
+          </p:cNvSpPr>
+          <p:nvPr>
+            <p:ph type="sldImg" idx="2"/>
+          </p:nvPr>
+        </p:nvSpPr>
+        <p:spPr>
+          <a:xfrm>
+            <a:off x="685800" y="1143000"/>
+            <a:ext cx="5486400" cy="3086100"/>
+          </a:xfrm>
+          <a:prstGeom prst="rect">
+            <a:avLst/>
+          </a:prstGeom>
+          <a:noFill/>
+          <a:ln w="12700">
+            <a:solidFill>
+              <a:prstClr val="black"/>
+            </a:solidFill>
+          </a:ln>
+        </p:spPr>
+        <p:txBody>
+          <a:bodyPr vert="horz" lIns="91440" tIns="45720" rIns="91440" bIns="45720" rtlCol="0" anchor="ctr"/>
+          <a:lstStyle/>
+          <a:p>
+            <a:endParaRPr lang="en-US"/>
+          </a:p>
+        </p:txBody>
+      </p:sp>
+      <p:sp>
+        <p:nvSpPr>
+          <p:cNvPr id="5" name="Notes Placeholder 4"/>
+          <p:cNvSpPr>
+            <a:spLocks noGrp="1"/>
+          </p:cNvSpPr>
+          <p:nvPr>
+            <p:ph type="body" sz="quarter" idx="3"/>
+          </p:nvPr>
+        </p:nvSpPr>
+        <p:spPr>
+          <a:xfrm>
+            <a:off x="685800" y="4400550"/>
+            <a:ext cx="5486400" cy="3600450"/>
+          </a:xfrm>
+          <a:prstGeom prst="rect">
+            <a:avLst/>
+          </a:prstGeom>
+        </p:spPr>
+        <p:txBody>
+          <a:bodyPr vert="horz" lIns="91440" tIns="45720" rIns="91440" bIns="45720" rtlCol="0"/>
+          <a:lstStyle/>
+          <a:p>
+            <a:pPr lvl="0"/>
+            <a:r>
+              <a:rPr lang="en-US"/>
+              <a:t>Click to edit Master text styles</a:t>
+            </a:r>
+          </a:p>
+          <a:p>
+            <a:pPr lvl="1"/>
+            <a:r>
+              <a:rPr lang="en-US"/>
+              <a:t>Second level</a:t>
+            </a:r>
+          </a:p>
+          <a:p>
+            <a:pPr lvl="2"/>
+            <a:r>
+              <a:rPr lang="en-US"/>
+              <a:t>Third level</a:t>
+            </a:r>
+          </a:p>
+          <a:p>
+            <a:pPr lvl="3"/>
+            <a:r>
+              <a:rPr lang="en-US"/>
+              <a:t>Fourth level</a:t>
+            </a:r>
+          </a:p>
+          <a:p>
+            <a:pPr lvl="4"/>
+            <a:r>
+              <a:rPr lang="en-US"/>
+              <a:t>Fifth level</a:t>
+            </a:r>
+          </a:p>
+        </p:txBody>
+      </p:sp>
+      <p:sp>
+        <p:nvSpPr>
+          <p:cNvPr id="6" name="Footer Placeholder 5"/>
+          <p:cNvSpPr>
+            <a:spLocks noGrp="1"/>
+          </p:cNvSpPr>
+          <p:nvPr>
+            <p:ph type="ftr" sz="quarter" idx="4"/>
+          </p:nvPr>
+        </p:nvSpPr>
+        <p:spPr>
+          <a:xfrm>
+            <a:off x="0" y="8685213"/>
+            <a:ext cx="2971800" cy="458787"/>
+          </a:xfrm>
+          <a:prstGeom prst="rect">
+            <a:avLst/>
+          </a:prstGeom>
+        </p:spPr>
+        <p:txBody>
+          <a:bodyPr vert="horz" lIns="91440" tIns="45720" rIns="91440" bIns="45720" rtlCol="0" anchor="b"/>
+          <a:lstStyle>
+            <a:lvl1pPr algn="l">
+              <a:defRPr sz="1200"/>
+            </a:lvl1pPr>
+          </a:lstStyle>
+          <a:p>
+            <a:endParaRPr lang="en-US"/>
+          </a:p>
+        </p:txBody>
+      </p:sp>
+      <p:sp>
+        <p:nvSpPr>
+          <p:cNvPr id="7" name="Slide Number Placeholder 6"/>
+          <p:cNvSpPr>
+            <a:spLocks noGrp="1"/>
+          </p:cNvSpPr>
+          <p:nvPr>
+            <p:ph type="sldNum" sz="quarter" idx="5"/>
+          </p:nvPr>
+        </p:nvSpPr>
+        <p:spPr>
+          <a:xfrm>
+            <a:off x="3884613" y="8685213"/>
+            <a:ext cx="2971800" cy="458787"/>
+          </a:xfrm>
+          <a:prstGeom prst="rect">
+            <a:avLst/>
+          </a:prstGeom>
+        </p:spPr>
+        <p:txBody>
+          <a:bodyPr vert="horz" lIns="91440" tIns="45720" rIns="91440" bIns="45720" rtlCol="0" anchor="b"/>
+          <a:lstStyle>
+            <a:lvl1pPr algn="r">
+              <a:defRPr sz="1200"/>
+            </a:lvl1pPr>
+          </a:lstStyle>
+          <a:p>
+            <a:fld id="{5CE0CEED-C10A-1E43-AFDE-0861C86F1B52}" type="slidenum">
+              <a:rPr lang="en-US" smtClean="0"/>
+              <a:t>‹#›</a:t>
+            </a:fld>
+            <a:endParaRPr lang="en-US"/>
+          </a:p>
+        </p:txBody>
+      </p:sp>
+    </p:spTree>
+    <p:extLst>
+      <p:ext uri="{BB962C8B-B14F-4D97-AF65-F5344CB8AC3E}">
+        <p14:creationId xmlns:p14="http://schemas.microsoft.com/office/powerpoint/2010/main" val="166830215"/>
+      </p:ext>
+    </p:extLst>
+  </p:cSld>
+  <p:clrMap bg1="lt1" tx1="dk1" bg2="lt2" tx2="dk2" accent1="accent1" accent2="accent2" accent3="accent3" accent4="accent4" accent5="accent5" accent6="accent6" hlink="hlink" folHlink="folHlink"/>
+  <p:notesStyle>
+    <a:lvl1pPr marL="0" algn="l" defTabSz="914400" rtl="0" eaLnBrk="1" latinLnBrk="0" hangingPunct="1">
+      <a:defRPr sz="1200" kern="1200">
+        <a:solidFill>
+          <a:schemeClr val="tx1"/>
+        </a:solidFill>
+        <a:latin typeface="+mn-lt"/>
+        <a:ea typeface="+mn-ea"/>
+        <a:cs typeface="+mn-cs"/>
+      </a:defRPr>
+    </a:lvl1pPr>
+    <a:lvl2pPr marL="457200" algn="l" defTabSz="914400" rtl="0" eaLnBrk="1" latinLnBrk="0" hangingPunct="1">
+      <a:defRPr sz="1200" kern="1200">
+        <a:solidFill>
+          <a:schemeClr val="tx1"/>
+        </a:solidFill>
+        <a:latin typeface="+mn-lt"/>
+        <a:ea typeface="+mn-ea"/>
+        <a:cs typeface="+mn-cs"/>
+      </a:defRPr>
+    </a:lvl2pPr>
+    <a:lvl3pPr marL="914400" algn="l" defTabSz="914400" rtl="0" eaLnBrk="1" latinLnBrk="0" hangingPunct="1">
+      <a:defRPr sz="1200" kern="1200">
+        <a:solidFill>
+          <a:schemeClr val="tx1"/>
+        </a:solidFill>
+        <a:latin typeface="+mn-lt"/>
+        <a:ea typeface="+mn-ea"/>
+        <a:cs typeface="+mn-cs"/>
+      </a:defRPr>
+    </a:lvl3pPr>
+    <a:lvl4pPr marL="1371600" algn="l" defTabSz="914400" rtl="0" eaLnBrk="1" latinLnBrk="0" hangingPunct="1">
+      <a:defRPr sz="1200" kern="1200">
+        <a:solidFill>
+          <a:schemeClr val="tx1"/>
+        </a:solidFill>
+        <a:latin typeface="+mn-lt"/>
+        <a:ea typeface="+mn-ea"/>
+        <a:cs typeface="+mn-cs"/>
+      </a:defRPr>
+    </a:lvl4pPr>
+    <a:lvl5pPr marL="1828800" algn="l" defTabSz="914400" rtl="0" eaLnBrk="1" latinLnBrk="0" hangingPunct="1">
+      <a:defRPr sz="1200" kern="1200">
+        <a:solidFill>
+          <a:schemeClr val="tx1"/>
+        </a:solidFill>
+        <a:latin typeface="+mn-lt"/>
+        <a:ea typeface="+mn-ea"/>
+        <a:cs typeface="+mn-cs"/>
+      </a:defRPr>
+    </a:lvl5pPr>
+    <a:lvl6pPr marL="2286000" algn="l" defTabSz="914400" rtl="0" eaLnBrk="1" latinLnBrk="0" hangingPunct="1">
+      <a:defRPr sz="1200" kern="1200">
+        <a:solidFill>
+          <a:schemeClr val="tx1"/>
+        </a:solidFill>
+        <a:latin typeface="+mn-lt"/>
+        <a:ea typeface="+mn-ea"/>
+        <a:cs typeface="+mn-cs"/>
+      </a:defRPr>
+    </a:lvl6pPr>
+    <a:lvl7pPr marL="2743200" algn="l" defTabSz="914400" rtl="0" eaLnBrk="1" latinLnBrk="0" hangingPunct="1">
+      <a:defRPr sz="1200" kern="1200">
+        <a:solidFill>
+          <a:schemeClr val="tx1"/>
+        </a:solidFill>
+        <a:latin typeface="+mn-lt"/>
+        <a:ea typeface="+mn-ea"/>
+        <a:cs typeface="+mn-cs"/>
+      </a:defRPr>
+    </a:lvl7pPr>
+    <a:lvl8pPr marL="3200400" algn="l" defTabSz="914400" rtl="0" eaLnBrk="1" latinLnBrk="0" hangingPunct="1">
+      <a:defRPr sz="1200" kern="1200">
+        <a:solidFill>
+          <a:schemeClr val="tx1"/>
+        </a:solidFill>
+        <a:latin typeface="+mn-lt"/>
+        <a:ea typeface="+mn-ea"/>
+        <a:cs typeface="+mn-cs"/>
+      </a:defRPr>
+    </a:lvl8pPr>
+    <a:lvl9pPr marL="3657600" algn="l" defTabSz="914400" rtl="0" eaLnBrk="1" latinLnBrk="0" hangingPunct="1">
+      <a:defRPr sz="1200" kern="1200">
+        <a:solidFill>
+          <a:schemeClr val="tx1"/>
+        </a:solidFill>
+        <a:latin typeface="+mn-lt"/>
+        <a:ea typeface="+mn-ea"/>
+        <a:cs typeface="+mn-cs"/>
+      </a:defRPr>
+    </a:lvl9pPr>
+  </p:notesStyle>
+</p:notesMaster>
+</file>
+
+<file path=ppt/notesSlides/notesSlide1.xml><?xml version="1.0" encoding="utf-8"?>
+<p:notes xmlns:a="http://schemas.openxmlformats.org/drawingml/2006/main" xmlns:r="http://schemas.openxmlformats.org/officeDocument/2006/relationships" xmlns:p="http://schemas.openxmlformats.org/presentationml/2006/main">
+  <p:cSld>
+    <p:spTree>
+      <p:nvGrpSpPr>
+        <p:cNvPr id="1" name=""/>
+        <p:cNvGrpSpPr/>
+        <p:nvPr/>
+      </p:nvGrpSpPr>
+      <p:grpSpPr>
+        <a:xfrm>
+          <a:off x="0" y="0"/>
+          <a:ext cx="0" cy="0"/>
+          <a:chOff x="0" y="0"/>
+          <a:chExt cx="0" cy="0"/>
+        </a:xfrm>
+      </p:grpSpPr>
+      <p:sp>
+        <p:nvSpPr>
+          <p:cNvPr id="2" name="Slide Image Placeholder 1"/>
+          <p:cNvSpPr>
+            <a:spLocks noGrp="1" noRot="1" noChangeAspect="1"/>
+          </p:cNvSpPr>
+          <p:nvPr>
+            <p:ph type="sldImg"/>
+          </p:nvPr>
+        </p:nvSpPr>
+        <p:spPr/>
+      </p:sp>
+      <p:sp>
+        <p:nvSpPr>
+          <p:cNvPr id="3" name="Notes Placeholder 2"/>
+          <p:cNvSpPr>
+            <a:spLocks noGrp="1"/>
+          </p:cNvSpPr>
+          <p:nvPr>
+            <p:ph type="body" idx="1"/>
+          </p:nvPr>
+        </p:nvSpPr>
+        <p:spPr/>
+        <p:txBody>
+          <a:bodyPr/>
+          <a:lstStyle/>
+          <a:p>
+            <a:r>
+              <a:rPr lang="en-US" dirty="0"/>
+              <a:t>Pumpkin seed d13C – comparison organism d13C.</a:t>
+            </a:r>
+          </a:p>
+          <a:p>
+            <a:endParaRPr lang="en-US" dirty="0"/>
+          </a:p>
+          <a:p>
+            <a:r>
+              <a:rPr lang="en-US" dirty="0"/>
+              <a:t>If the value is positive, the pumpkinseed is enriched relative to that prey item (pumpkinseed higher d13C value)</a:t>
+            </a:r>
+          </a:p>
+          <a:p>
+            <a:r>
+              <a:rPr lang="en-US" dirty="0"/>
+              <a:t>If the value is negative, the pumpkinseed is depleted relative to that prey item (pumpkinseed has a lower d13C value)</a:t>
+            </a:r>
+          </a:p>
+        </p:txBody>
+      </p:sp>
+      <p:sp>
+        <p:nvSpPr>
+          <p:cNvPr id="4" name="Slide Number Placeholder 3"/>
+          <p:cNvSpPr>
+            <a:spLocks noGrp="1"/>
+          </p:cNvSpPr>
+          <p:nvPr>
+            <p:ph type="sldNum" sz="quarter" idx="5"/>
+          </p:nvPr>
+        </p:nvSpPr>
+        <p:spPr/>
+        <p:txBody>
+          <a:bodyPr/>
+          <a:lstStyle/>
+          <a:p>
+            <a:fld id="{5CE0CEED-C10A-1E43-AFDE-0861C86F1B52}" type="slidenum">
+              <a:rPr lang="en-US" smtClean="0"/>
+              <a:t>7</a:t>
+            </a:fld>
+            <a:endParaRPr lang="en-US"/>
+          </a:p>
+        </p:txBody>
+      </p:sp>
+    </p:spTree>
+    <p:extLst>
+      <p:ext uri="{BB962C8B-B14F-4D97-AF65-F5344CB8AC3E}">
+        <p14:creationId xmlns:p14="http://schemas.microsoft.com/office/powerpoint/2010/main" val="2194780348"/>
+      </p:ext>
+    </p:extLst>
+  </p:cSld>
+  <p:clrMapOvr>
+    <a:masterClrMapping/>
+  </p:clrMapOvr>
+</p:notes>
+</file>
+
+<file path=ppt/notesSlides/notesSlide2.xml><?xml version="1.0" encoding="utf-8"?>
+<p:notes xmlns:a="http://schemas.openxmlformats.org/drawingml/2006/main" xmlns:r="http://schemas.openxmlformats.org/officeDocument/2006/relationships" xmlns:p="http://schemas.openxmlformats.org/presentationml/2006/main">
+  <p:cSld>
+    <p:spTree>
+      <p:nvGrpSpPr>
+        <p:cNvPr id="1" name=""/>
+        <p:cNvGrpSpPr/>
+        <p:nvPr/>
+      </p:nvGrpSpPr>
+      <p:grpSpPr>
+        <a:xfrm>
+          <a:off x="0" y="0"/>
+          <a:ext cx="0" cy="0"/>
+          <a:chOff x="0" y="0"/>
+          <a:chExt cx="0" cy="0"/>
+        </a:xfrm>
+      </p:grpSpPr>
+      <p:sp>
+        <p:nvSpPr>
+          <p:cNvPr id="2" name="Slide Image Placeholder 1"/>
+          <p:cNvSpPr>
+            <a:spLocks noGrp="1" noRot="1" noChangeAspect="1"/>
+          </p:cNvSpPr>
+          <p:nvPr>
+            <p:ph type="sldImg"/>
+          </p:nvPr>
+        </p:nvSpPr>
+        <p:spPr/>
+      </p:sp>
+      <p:sp>
+        <p:nvSpPr>
+          <p:cNvPr id="3" name="Notes Placeholder 2"/>
+          <p:cNvSpPr>
+            <a:spLocks noGrp="1"/>
+          </p:cNvSpPr>
+          <p:nvPr>
+            <p:ph type="body" idx="1"/>
+          </p:nvPr>
+        </p:nvSpPr>
+        <p:spPr/>
+        <p:txBody>
+          <a:bodyPr/>
+          <a:lstStyle/>
+          <a:p>
+            <a:endParaRPr lang="en-US" dirty="0"/>
+          </a:p>
+        </p:txBody>
+      </p:sp>
+      <p:sp>
+        <p:nvSpPr>
+          <p:cNvPr id="4" name="Slide Number Placeholder 3"/>
+          <p:cNvSpPr>
+            <a:spLocks noGrp="1"/>
+          </p:cNvSpPr>
+          <p:nvPr>
+            <p:ph type="sldNum" sz="quarter" idx="5"/>
+          </p:nvPr>
+        </p:nvSpPr>
+        <p:spPr/>
+        <p:txBody>
+          <a:bodyPr/>
+          <a:lstStyle/>
+          <a:p>
+            <a:fld id="{5CE0CEED-C10A-1E43-AFDE-0861C86F1B52}" type="slidenum">
+              <a:rPr lang="en-US" smtClean="0"/>
+              <a:t>8</a:t>
+            </a:fld>
+            <a:endParaRPr lang="en-US"/>
+          </a:p>
+        </p:txBody>
+      </p:sp>
+    </p:spTree>
+    <p:extLst>
+      <p:ext uri="{BB962C8B-B14F-4D97-AF65-F5344CB8AC3E}">
+        <p14:creationId xmlns:p14="http://schemas.microsoft.com/office/powerpoint/2010/main" val="317760131"/>
+      </p:ext>
+    </p:extLst>
+  </p:cSld>
+  <p:clrMapOvr>
+    <a:masterClrMapping/>
+  </p:clrMapOvr>
+</p:notes>
+</file>
+
+<file path=ppt/notesSlides/notesSlide3.xml><?xml version="1.0" encoding="utf-8"?>
+<p:notes xmlns:a="http://schemas.openxmlformats.org/drawingml/2006/main" xmlns:r="http://schemas.openxmlformats.org/officeDocument/2006/relationships" xmlns:p="http://schemas.openxmlformats.org/presentationml/2006/main">
+  <p:cSld>
+    <p:spTree>
+      <p:nvGrpSpPr>
+        <p:cNvPr id="1" name=""/>
+        <p:cNvGrpSpPr/>
+        <p:nvPr/>
+      </p:nvGrpSpPr>
+      <p:grpSpPr>
+        <a:xfrm>
+          <a:off x="0" y="0"/>
+          <a:ext cx="0" cy="0"/>
+          <a:chOff x="0" y="0"/>
+          <a:chExt cx="0" cy="0"/>
+        </a:xfrm>
+      </p:grpSpPr>
+      <p:sp>
+        <p:nvSpPr>
+          <p:cNvPr id="2" name="Slide Image Placeholder 1"/>
+          <p:cNvSpPr>
+            <a:spLocks noGrp="1" noRot="1" noChangeAspect="1"/>
+          </p:cNvSpPr>
+          <p:nvPr>
+            <p:ph type="sldImg"/>
+          </p:nvPr>
+        </p:nvSpPr>
+        <p:spPr/>
+      </p:sp>
+      <p:sp>
+        <p:nvSpPr>
+          <p:cNvPr id="3" name="Notes Placeholder 2"/>
+          <p:cNvSpPr>
+            <a:spLocks noGrp="1"/>
+          </p:cNvSpPr>
+          <p:nvPr>
+            <p:ph type="body" idx="1"/>
+          </p:nvPr>
+        </p:nvSpPr>
+        <p:spPr/>
+        <p:txBody>
+          <a:bodyPr/>
+          <a:lstStyle/>
+          <a:p>
+            <a:r>
+              <a:rPr lang="en-US" dirty="0"/>
+              <a:t>Density plot to complements the boxplot, just to see how different species compare.</a:t>
+            </a:r>
+          </a:p>
+        </p:txBody>
+      </p:sp>
+      <p:sp>
+        <p:nvSpPr>
+          <p:cNvPr id="4" name="Slide Number Placeholder 3"/>
+          <p:cNvSpPr>
+            <a:spLocks noGrp="1"/>
+          </p:cNvSpPr>
+          <p:nvPr>
+            <p:ph type="sldNum" sz="quarter" idx="5"/>
+          </p:nvPr>
+        </p:nvSpPr>
+        <p:spPr/>
+        <p:txBody>
+          <a:bodyPr/>
+          <a:lstStyle/>
+          <a:p>
+            <a:fld id="{5CE0CEED-C10A-1E43-AFDE-0861C86F1B52}" type="slidenum">
+              <a:rPr lang="en-US" smtClean="0"/>
+              <a:t>9</a:t>
+            </a:fld>
+            <a:endParaRPr lang="en-US"/>
+          </a:p>
+        </p:txBody>
+      </p:sp>
+    </p:spTree>
+    <p:extLst>
+      <p:ext uri="{BB962C8B-B14F-4D97-AF65-F5344CB8AC3E}">
+        <p14:creationId xmlns:p14="http://schemas.microsoft.com/office/powerpoint/2010/main" val="2160872192"/>
+      </p:ext>
+    </p:extLst>
+  </p:cSld>
+  <p:clrMapOvr>
+    <a:masterClrMapping/>
+  </p:clrMapOvr>
+</p:notes>
 </file>
 
 <file path=ppt/slideLayouts/slideLayout1.xml><?xml version="1.0" encoding="utf-8"?>
@@ -260,7 +892,7 @@
           <a:p>
             <a:fld id="{B8643D8C-3995-524E-8522-48298C086652}" type="datetimeFigureOut">
               <a:rPr lang="en-US" smtClean="0"/>
-              <a:t>5/13/21</a:t>
+              <a:t>5/17/21</a:t>
             </a:fld>
             <a:endParaRPr lang="en-US"/>
           </a:p>
@@ -458,7 +1090,7 @@
           <a:p>
             <a:fld id="{B8643D8C-3995-524E-8522-48298C086652}" type="datetimeFigureOut">
               <a:rPr lang="en-US" smtClean="0"/>
-              <a:t>5/13/21</a:t>
+              <a:t>5/17/21</a:t>
             </a:fld>
             <a:endParaRPr lang="en-US"/>
           </a:p>
@@ -666,7 +1298,7 @@
           <a:p>
             <a:fld id="{B8643D8C-3995-524E-8522-48298C086652}" type="datetimeFigureOut">
               <a:rPr lang="en-US" smtClean="0"/>
-              <a:t>5/13/21</a:t>
+              <a:t>5/17/21</a:t>
             </a:fld>
             <a:endParaRPr lang="en-US"/>
           </a:p>
@@ -864,7 +1496,7 @@
           <a:p>
             <a:fld id="{B8643D8C-3995-524E-8522-48298C086652}" type="datetimeFigureOut">
               <a:rPr lang="en-US" smtClean="0"/>
-              <a:t>5/13/21</a:t>
+              <a:t>5/17/21</a:t>
             </a:fld>
             <a:endParaRPr lang="en-US"/>
           </a:p>
@@ -1139,7 +1771,7 @@
           <a:p>
             <a:fld id="{B8643D8C-3995-524E-8522-48298C086652}" type="datetimeFigureOut">
               <a:rPr lang="en-US" smtClean="0"/>
-              <a:t>5/13/21</a:t>
+              <a:t>5/17/21</a:t>
             </a:fld>
             <a:endParaRPr lang="en-US"/>
           </a:p>
@@ -1404,7 +2036,7 @@
           <a:p>
             <a:fld id="{B8643D8C-3995-524E-8522-48298C086652}" type="datetimeFigureOut">
               <a:rPr lang="en-US" smtClean="0"/>
-              <a:t>5/13/21</a:t>
+              <a:t>5/17/21</a:t>
             </a:fld>
             <a:endParaRPr lang="en-US"/>
           </a:p>
@@ -1816,7 +2448,7 @@
           <a:p>
             <a:fld id="{B8643D8C-3995-524E-8522-48298C086652}" type="datetimeFigureOut">
               <a:rPr lang="en-US" smtClean="0"/>
-              <a:t>5/13/21</a:t>
+              <a:t>5/17/21</a:t>
             </a:fld>
             <a:endParaRPr lang="en-US"/>
           </a:p>
@@ -1957,7 +2589,7 @@
           <a:p>
             <a:fld id="{B8643D8C-3995-524E-8522-48298C086652}" type="datetimeFigureOut">
               <a:rPr lang="en-US" smtClean="0"/>
-              <a:t>5/13/21</a:t>
+              <a:t>5/17/21</a:t>
             </a:fld>
             <a:endParaRPr lang="en-US"/>
           </a:p>
@@ -2070,7 +2702,7 @@
           <a:p>
             <a:fld id="{B8643D8C-3995-524E-8522-48298C086652}" type="datetimeFigureOut">
               <a:rPr lang="en-US" smtClean="0"/>
-              <a:t>5/13/21</a:t>
+              <a:t>5/17/21</a:t>
             </a:fld>
             <a:endParaRPr lang="en-US"/>
           </a:p>
@@ -2381,7 +3013,7 @@
           <a:p>
             <a:fld id="{B8643D8C-3995-524E-8522-48298C086652}" type="datetimeFigureOut">
               <a:rPr lang="en-US" smtClean="0"/>
-              <a:t>5/13/21</a:t>
+              <a:t>5/17/21</a:t>
             </a:fld>
             <a:endParaRPr lang="en-US"/>
           </a:p>
@@ -2669,7 +3301,7 @@
           <a:p>
             <a:fld id="{B8643D8C-3995-524E-8522-48298C086652}" type="datetimeFigureOut">
               <a:rPr lang="en-US" smtClean="0"/>
-              <a:t>5/13/21</a:t>
+              <a:t>5/17/21</a:t>
             </a:fld>
             <a:endParaRPr lang="en-US"/>
           </a:p>
@@ -2910,7 +3542,7 @@
           <a:p>
             <a:fld id="{B8643D8C-3995-524E-8522-48298C086652}" type="datetimeFigureOut">
               <a:rPr lang="en-US" smtClean="0"/>
-              <a:t>5/13/21</a:t>
+              <a:t>5/17/21</a:t>
             </a:fld>
             <a:endParaRPr lang="en-US"/>
           </a:p>
@@ -4805,12 +5437,14 @@
         </p:nvSpPr>
         <p:spPr/>
         <p:txBody>
-          <a:bodyPr/>
+          <a:bodyPr>
+            <a:normAutofit fontScale="90000"/>
+          </a:bodyPr>
           <a:lstStyle/>
           <a:p>
             <a:r>
               <a:rPr lang="en-US" dirty="0"/>
-              <a:t>Can I do a mixing model to ID pumpkin seed invertebrate diet?  Short answer is no.</a:t>
+              <a:t>Can I do a mixing model to ID pumpkin seed invertebrate diet?  Short answer is not cleanly.</a:t>
             </a:r>
           </a:p>
         </p:txBody>
@@ -4975,7 +5609,7 @@
           <p:nvPr/>
         </p:nvPicPr>
         <p:blipFill>
-          <a:blip r:embed="rId2"/>
+          <a:blip r:embed="rId3"/>
           <a:stretch>
             <a:fillRect/>
           </a:stretch>
@@ -4994,6 +5628,190 @@
     <p:extLst>
       <p:ext uri="{BB962C8B-B14F-4D97-AF65-F5344CB8AC3E}">
         <p14:creationId xmlns:p14="http://schemas.microsoft.com/office/powerpoint/2010/main" val="4293010123"/>
+      </p:ext>
+    </p:extLst>
+  </p:cSld>
+  <p:clrMapOvr>
+    <a:masterClrMapping/>
+  </p:clrMapOvr>
+</p:sld>
+</file>
+
+<file path=ppt/slides/slide8.xml><?xml version="1.0" encoding="utf-8"?>
+<p:sld xmlns:a="http://schemas.openxmlformats.org/drawingml/2006/main" xmlns:r="http://schemas.openxmlformats.org/officeDocument/2006/relationships" xmlns:p="http://schemas.openxmlformats.org/presentationml/2006/main">
+  <p:cSld>
+    <p:spTree>
+      <p:nvGrpSpPr>
+        <p:cNvPr id="1" name=""/>
+        <p:cNvGrpSpPr/>
+        <p:nvPr/>
+      </p:nvGrpSpPr>
+      <p:grpSpPr>
+        <a:xfrm>
+          <a:off x="0" y="0"/>
+          <a:ext cx="0" cy="0"/>
+          <a:chOff x="0" y="0"/>
+          <a:chExt cx="0" cy="0"/>
+        </a:xfrm>
+      </p:grpSpPr>
+      <p:sp>
+        <p:nvSpPr>
+          <p:cNvPr id="2" name="Title 1">
+            <a:extLst>
+              <a:ext uri="{FF2B5EF4-FFF2-40B4-BE49-F238E27FC236}">
+                <a16:creationId xmlns:a16="http://schemas.microsoft.com/office/drawing/2014/main" id="{4D0ABC7E-49D2-B646-9F1B-EBC1B001E39E}"/>
+              </a:ext>
+            </a:extLst>
+          </p:cNvPr>
+          <p:cNvSpPr>
+            <a:spLocks noGrp="1"/>
+          </p:cNvSpPr>
+          <p:nvPr>
+            <p:ph type="title"/>
+          </p:nvPr>
+        </p:nvSpPr>
+        <p:spPr>
+          <a:xfrm>
+            <a:off x="838200" y="0"/>
+            <a:ext cx="6167034" cy="867905"/>
+          </a:xfrm>
+        </p:spPr>
+        <p:txBody>
+          <a:bodyPr/>
+          <a:lstStyle/>
+          <a:p>
+            <a:r>
+              <a:rPr lang="en-US" dirty="0"/>
+              <a:t>Pelagic vs littoral reliance</a:t>
+            </a:r>
+          </a:p>
+        </p:txBody>
+      </p:sp>
+      <p:pic>
+        <p:nvPicPr>
+          <p:cNvPr id="5" name="Content Placeholder 4" descr="Chart&#10;&#10;Description automatically generated with low confidence">
+            <a:extLst>
+              <a:ext uri="{FF2B5EF4-FFF2-40B4-BE49-F238E27FC236}">
+                <a16:creationId xmlns:a16="http://schemas.microsoft.com/office/drawing/2014/main" id="{CA2E4CF1-05F5-694A-B33A-678ACFEACB0E}"/>
+              </a:ext>
+            </a:extLst>
+          </p:cNvPr>
+          <p:cNvPicPr>
+            <a:picLocks noGrp="1" noChangeAspect="1"/>
+          </p:cNvPicPr>
+          <p:nvPr>
+            <p:ph idx="1"/>
+          </p:nvPr>
+        </p:nvPicPr>
+        <p:blipFill>
+          <a:blip r:embed="rId3"/>
+          <a:stretch>
+            <a:fillRect/>
+          </a:stretch>
+        </p:blipFill>
+        <p:spPr>
+          <a:xfrm>
+            <a:off x="1208868" y="712553"/>
+            <a:ext cx="9794929" cy="5876957"/>
+          </a:xfrm>
+        </p:spPr>
+      </p:pic>
+    </p:spTree>
+    <p:extLst>
+      <p:ext uri="{BB962C8B-B14F-4D97-AF65-F5344CB8AC3E}">
+        <p14:creationId xmlns:p14="http://schemas.microsoft.com/office/powerpoint/2010/main" val="1745590198"/>
+      </p:ext>
+    </p:extLst>
+  </p:cSld>
+  <p:clrMapOvr>
+    <a:masterClrMapping/>
+  </p:clrMapOvr>
+</p:sld>
+</file>
+
+<file path=ppt/slides/slide9.xml><?xml version="1.0" encoding="utf-8"?>
+<p:sld xmlns:a="http://schemas.openxmlformats.org/drawingml/2006/main" xmlns:r="http://schemas.openxmlformats.org/officeDocument/2006/relationships" xmlns:p="http://schemas.openxmlformats.org/presentationml/2006/main">
+  <p:cSld>
+    <p:spTree>
+      <p:nvGrpSpPr>
+        <p:cNvPr id="1" name=""/>
+        <p:cNvGrpSpPr/>
+        <p:nvPr/>
+      </p:nvGrpSpPr>
+      <p:grpSpPr>
+        <a:xfrm>
+          <a:off x="0" y="0"/>
+          <a:ext cx="0" cy="0"/>
+          <a:chOff x="0" y="0"/>
+          <a:chExt cx="0" cy="0"/>
+        </a:xfrm>
+      </p:grpSpPr>
+      <p:sp>
+        <p:nvSpPr>
+          <p:cNvPr id="2" name="Title 1">
+            <a:extLst>
+              <a:ext uri="{FF2B5EF4-FFF2-40B4-BE49-F238E27FC236}">
+                <a16:creationId xmlns:a16="http://schemas.microsoft.com/office/drawing/2014/main" id="{4D0ABC7E-49D2-B646-9F1B-EBC1B001E39E}"/>
+              </a:ext>
+            </a:extLst>
+          </p:cNvPr>
+          <p:cNvSpPr>
+            <a:spLocks noGrp="1"/>
+          </p:cNvSpPr>
+          <p:nvPr>
+            <p:ph type="title"/>
+          </p:nvPr>
+        </p:nvSpPr>
+        <p:spPr>
+          <a:xfrm>
+            <a:off x="838200" y="0"/>
+            <a:ext cx="10515600" cy="867905"/>
+          </a:xfrm>
+        </p:spPr>
+        <p:txBody>
+          <a:bodyPr/>
+          <a:lstStyle/>
+          <a:p>
+            <a:r>
+              <a:rPr lang="en-US" dirty="0"/>
+              <a:t>Looking at simple – pelagic vs littoral reliance</a:t>
+            </a:r>
+          </a:p>
+        </p:txBody>
+      </p:sp>
+      <p:pic>
+        <p:nvPicPr>
+          <p:cNvPr id="7" name="Content Placeholder 6" descr="Chart, line chart, histogram&#10;&#10;Description automatically generated">
+            <a:extLst>
+              <a:ext uri="{FF2B5EF4-FFF2-40B4-BE49-F238E27FC236}">
+                <a16:creationId xmlns:a16="http://schemas.microsoft.com/office/drawing/2014/main" id="{BD2CA780-591E-2340-900F-928A754521D7}"/>
+              </a:ext>
+            </a:extLst>
+          </p:cNvPr>
+          <p:cNvPicPr>
+            <a:picLocks noGrp="1" noChangeAspect="1"/>
+          </p:cNvPicPr>
+          <p:nvPr>
+            <p:ph idx="1"/>
+          </p:nvPr>
+        </p:nvPicPr>
+        <p:blipFill>
+          <a:blip r:embed="rId3"/>
+          <a:stretch>
+            <a:fillRect/>
+          </a:stretch>
+        </p:blipFill>
+        <p:spPr>
+          <a:xfrm>
+            <a:off x="1074549" y="832259"/>
+            <a:ext cx="10042902" cy="6025741"/>
+          </a:xfrm>
+        </p:spPr>
+      </p:pic>
+    </p:spTree>
+    <p:extLst>
+      <p:ext uri="{BB962C8B-B14F-4D97-AF65-F5344CB8AC3E}">
+        <p14:creationId xmlns:p14="http://schemas.microsoft.com/office/powerpoint/2010/main" val="314802859"/>
       </p:ext>
     </p:extLst>
   </p:cSld>
@@ -5296,4 +6114,299 @@
     </a:ext>
   </a:extLst>
 </a:theme>
+</file>
+
+<file path=ppt/theme/theme2.xml><?xml version="1.0" encoding="utf-8"?>
+<a:theme xmlns:a="http://schemas.openxmlformats.org/drawingml/2006/main" name="Office Theme">
+  <a:themeElements>
+    <a:clrScheme name="Office">
+      <a:dk1>
+        <a:sysClr val="windowText" lastClr="000000"/>
+      </a:dk1>
+      <a:lt1>
+        <a:sysClr val="window" lastClr="FFFFFF"/>
+      </a:lt1>
+      <a:dk2>
+        <a:srgbClr val="44546A"/>
+      </a:dk2>
+      <a:lt2>
+        <a:srgbClr val="E7E6E6"/>
+      </a:lt2>
+      <a:accent1>
+        <a:srgbClr val="4472C4"/>
+      </a:accent1>
+      <a:accent2>
+        <a:srgbClr val="ED7D31"/>
+      </a:accent2>
+      <a:accent3>
+        <a:srgbClr val="A5A5A5"/>
+      </a:accent3>
+      <a:accent4>
+        <a:srgbClr val="FFC000"/>
+      </a:accent4>
+      <a:accent5>
+        <a:srgbClr val="5B9BD5"/>
+      </a:accent5>
+      <a:accent6>
+        <a:srgbClr val="70AD47"/>
+      </a:accent6>
+      <a:hlink>
+        <a:srgbClr val="0563C1"/>
+      </a:hlink>
+      <a:folHlink>
+        <a:srgbClr val="954F72"/>
+      </a:folHlink>
+    </a:clrScheme>
+    <a:fontScheme name="Office">
+      <a:majorFont>
+        <a:latin typeface="Calibri Light" panose="020F0302020204030204"/>
+        <a:ea typeface=""/>
+        <a:cs typeface=""/>
+        <a:font script="Jpan" typeface="游ゴシック Light"/>
+        <a:font script="Hang" typeface="맑은 고딕"/>
+        <a:font script="Hans" typeface="等线 Light"/>
+        <a:font script="Hant" typeface="新細明體"/>
+        <a:font script="Arab" typeface="Times New Roman"/>
+        <a:font script="Hebr" typeface="Times New Roman"/>
+        <a:font script="Thai" typeface="Angsana New"/>
+        <a:font script="Ethi" typeface="Nyala"/>
+        <a:font script="Beng" typeface="Vrinda"/>
+        <a:font script="Gujr" typeface="Shruti"/>
+        <a:font script="Khmr" typeface="MoolBoran"/>
+        <a:font script="Knda" typeface="Tunga"/>
+        <a:font script="Guru" typeface="Raavi"/>
+        <a:font script="Cans" typeface="Euphemia"/>
+        <a:font script="Cher" typeface="Plantagenet Cherokee"/>
+        <a:font script="Yiii" typeface="Microsoft Yi Baiti"/>
+        <a:font script="Tibt" typeface="Microsoft Himalaya"/>
+        <a:font script="Thaa" typeface="MV Boli"/>
+        <a:font script="Deva" typeface="Mangal"/>
+        <a:font script="Telu" typeface="Gautami"/>
+        <a:font script="Taml" typeface="Latha"/>
+        <a:font script="Syrc" typeface="Estrangelo Edessa"/>
+        <a:font script="Orya" typeface="Kalinga"/>
+        <a:font script="Mlym" typeface="Kartika"/>
+        <a:font script="Laoo" typeface="DokChampa"/>
+        <a:font script="Sinh" typeface="Iskoola Pota"/>
+        <a:font script="Mong" typeface="Mongolian Baiti"/>
+        <a:font script="Viet" typeface="Times New Roman"/>
+        <a:font script="Uigh" typeface="Microsoft Uighur"/>
+        <a:font script="Geor" typeface="Sylfaen"/>
+        <a:font script="Armn" typeface="Arial"/>
+        <a:font script="Bugi" typeface="Leelawadee UI"/>
+        <a:font script="Bopo" typeface="Microsoft JhengHei"/>
+        <a:font script="Java" typeface="Javanese Text"/>
+        <a:font script="Lisu" typeface="Segoe UI"/>
+        <a:font script="Mymr" typeface="Myanmar Text"/>
+        <a:font script="Nkoo" typeface="Ebrima"/>
+        <a:font script="Olck" typeface="Nirmala UI"/>
+        <a:font script="Osma" typeface="Ebrima"/>
+        <a:font script="Phag" typeface="Phagspa"/>
+        <a:font script="Syrn" typeface="Estrangelo Edessa"/>
+        <a:font script="Syrj" typeface="Estrangelo Edessa"/>
+        <a:font script="Syre" typeface="Estrangelo Edessa"/>
+        <a:font script="Sora" typeface="Nirmala UI"/>
+        <a:font script="Tale" typeface="Microsoft Tai Le"/>
+        <a:font script="Talu" typeface="Microsoft New Tai Lue"/>
+        <a:font script="Tfng" typeface="Ebrima"/>
+      </a:majorFont>
+      <a:minorFont>
+        <a:latin typeface="Calibri" panose="020F0502020204030204"/>
+        <a:ea typeface=""/>
+        <a:cs typeface=""/>
+        <a:font script="Jpan" typeface="游ゴシック"/>
+        <a:font script="Hang" typeface="맑은 고딕"/>
+        <a:font script="Hans" typeface="等线"/>
+        <a:font script="Hant" typeface="新細明體"/>
+        <a:font script="Arab" typeface="Arial"/>
+        <a:font script="Hebr" typeface="Arial"/>
+        <a:font script="Thai" typeface="Cordia New"/>
+        <a:font script="Ethi" typeface="Nyala"/>
+        <a:font script="Beng" typeface="Vrinda"/>
+        <a:font script="Gujr" typeface="Shruti"/>
+        <a:font script="Khmr" typeface="DaunPenh"/>
+        <a:font script="Knda" typeface="Tunga"/>
+        <a:font script="Guru" typeface="Raavi"/>
+        <a:font script="Cans" typeface="Euphemia"/>
+        <a:font script="Cher" typeface="Plantagenet Cherokee"/>
+        <a:font script="Yiii" typeface="Microsoft Yi Baiti"/>
+        <a:font script="Tibt" typeface="Microsoft Himalaya"/>
+        <a:font script="Thaa" typeface="MV Boli"/>
+        <a:font script="Deva" typeface="Mangal"/>
+        <a:font script="Telu" typeface="Gautami"/>
+        <a:font script="Taml" typeface="Latha"/>
+        <a:font script="Syrc" typeface="Estrangelo Edessa"/>
+        <a:font script="Orya" typeface="Kalinga"/>
+        <a:font script="Mlym" typeface="Kartika"/>
+        <a:font script="Laoo" typeface="DokChampa"/>
+        <a:font script="Sinh" typeface="Iskoola Pota"/>
+        <a:font script="Mong" typeface="Mongolian Baiti"/>
+        <a:font script="Viet" typeface="Arial"/>
+        <a:font script="Uigh" typeface="Microsoft Uighur"/>
+        <a:font script="Geor" typeface="Sylfaen"/>
+        <a:font script="Armn" typeface="Arial"/>
+        <a:font script="Bugi" typeface="Leelawadee UI"/>
+        <a:font script="Bopo" typeface="Microsoft JhengHei"/>
+        <a:font script="Java" typeface="Javanese Text"/>
+        <a:font script="Lisu" typeface="Segoe UI"/>
+        <a:font script="Mymr" typeface="Myanmar Text"/>
+        <a:font script="Nkoo" typeface="Ebrima"/>
+        <a:font script="Olck" typeface="Nirmala UI"/>
+        <a:font script="Osma" typeface="Ebrima"/>
+        <a:font script="Phag" typeface="Phagspa"/>
+        <a:font script="Syrn" typeface="Estrangelo Edessa"/>
+        <a:font script="Syrj" typeface="Estrangelo Edessa"/>
+        <a:font script="Syre" typeface="Estrangelo Edessa"/>
+        <a:font script="Sora" typeface="Nirmala UI"/>
+        <a:font script="Tale" typeface="Microsoft Tai Le"/>
+        <a:font script="Talu" typeface="Microsoft New Tai Lue"/>
+        <a:font script="Tfng" typeface="Ebrima"/>
+      </a:minorFont>
+    </a:fontScheme>
+    <a:fmtScheme name="Office">
+      <a:fillStyleLst>
+        <a:solidFill>
+          <a:schemeClr val="phClr"/>
+        </a:solidFill>
+        <a:gradFill rotWithShape="1">
+          <a:gsLst>
+            <a:gs pos="0">
+              <a:schemeClr val="phClr">
+                <a:lumMod val="110000"/>
+                <a:satMod val="105000"/>
+                <a:tint val="67000"/>
+              </a:schemeClr>
+            </a:gs>
+            <a:gs pos="50000">
+              <a:schemeClr val="phClr">
+                <a:lumMod val="105000"/>
+                <a:satMod val="103000"/>
+                <a:tint val="73000"/>
+              </a:schemeClr>
+            </a:gs>
+            <a:gs pos="100000">
+              <a:schemeClr val="phClr">
+                <a:lumMod val="105000"/>
+                <a:satMod val="109000"/>
+                <a:tint val="81000"/>
+              </a:schemeClr>
+            </a:gs>
+          </a:gsLst>
+          <a:lin ang="5400000" scaled="0"/>
+        </a:gradFill>
+        <a:gradFill rotWithShape="1">
+          <a:gsLst>
+            <a:gs pos="0">
+              <a:schemeClr val="phClr">
+                <a:satMod val="103000"/>
+                <a:lumMod val="102000"/>
+                <a:tint val="94000"/>
+              </a:schemeClr>
+            </a:gs>
+            <a:gs pos="50000">
+              <a:schemeClr val="phClr">
+                <a:satMod val="110000"/>
+                <a:lumMod val="100000"/>
+                <a:shade val="100000"/>
+              </a:schemeClr>
+            </a:gs>
+            <a:gs pos="100000">
+              <a:schemeClr val="phClr">
+                <a:lumMod val="99000"/>
+                <a:satMod val="120000"/>
+                <a:shade val="78000"/>
+              </a:schemeClr>
+            </a:gs>
+          </a:gsLst>
+          <a:lin ang="5400000" scaled="0"/>
+        </a:gradFill>
+      </a:fillStyleLst>
+      <a:lnStyleLst>
+        <a:ln w="6350" cap="flat" cmpd="sng" algn="ctr">
+          <a:solidFill>
+            <a:schemeClr val="phClr"/>
+          </a:solidFill>
+          <a:prstDash val="solid"/>
+          <a:miter lim="800000"/>
+        </a:ln>
+        <a:ln w="12700" cap="flat" cmpd="sng" algn="ctr">
+          <a:solidFill>
+            <a:schemeClr val="phClr"/>
+          </a:solidFill>
+          <a:prstDash val="solid"/>
+          <a:miter lim="800000"/>
+        </a:ln>
+        <a:ln w="19050" cap="flat" cmpd="sng" algn="ctr">
+          <a:solidFill>
+            <a:schemeClr val="phClr"/>
+          </a:solidFill>
+          <a:prstDash val="solid"/>
+          <a:miter lim="800000"/>
+        </a:ln>
+      </a:lnStyleLst>
+      <a:effectStyleLst>
+        <a:effectStyle>
+          <a:effectLst/>
+        </a:effectStyle>
+        <a:effectStyle>
+          <a:effectLst/>
+        </a:effectStyle>
+        <a:effectStyle>
+          <a:effectLst>
+            <a:outerShdw blurRad="57150" dist="19050" dir="5400000" algn="ctr" rotWithShape="0">
+              <a:srgbClr val="000000">
+                <a:alpha val="63000"/>
+              </a:srgbClr>
+            </a:outerShdw>
+          </a:effectLst>
+        </a:effectStyle>
+      </a:effectStyleLst>
+      <a:bgFillStyleLst>
+        <a:solidFill>
+          <a:schemeClr val="phClr"/>
+        </a:solidFill>
+        <a:solidFill>
+          <a:schemeClr val="phClr">
+            <a:tint val="95000"/>
+            <a:satMod val="170000"/>
+          </a:schemeClr>
+        </a:solidFill>
+        <a:gradFill rotWithShape="1">
+          <a:gsLst>
+            <a:gs pos="0">
+              <a:schemeClr val="phClr">
+                <a:tint val="93000"/>
+                <a:satMod val="150000"/>
+                <a:shade val="98000"/>
+                <a:lumMod val="102000"/>
+              </a:schemeClr>
+            </a:gs>
+            <a:gs pos="50000">
+              <a:schemeClr val="phClr">
+                <a:tint val="98000"/>
+                <a:satMod val="130000"/>
+                <a:shade val="90000"/>
+                <a:lumMod val="103000"/>
+              </a:schemeClr>
+            </a:gs>
+            <a:gs pos="100000">
+              <a:schemeClr val="phClr">
+                <a:shade val="63000"/>
+                <a:satMod val="120000"/>
+              </a:schemeClr>
+            </a:gs>
+          </a:gsLst>
+          <a:lin ang="5400000" scaled="0"/>
+        </a:gradFill>
+      </a:bgFillStyleLst>
+    </a:fmtScheme>
+  </a:themeElements>
+  <a:objectDefaults/>
+  <a:extraClrSchemeLst/>
+  <a:extLst>
+    <a:ext uri="{05A4C25C-085E-4340-85A3-A5531E510DB2}">
+      <thm15:themeFamily xmlns:thm15="http://schemas.microsoft.com/office/thememl/2012/main" name="Office Theme" id="{62F939B6-93AF-4DB8-9C6B-D6C7DFDC589F}" vid="{4A3C46E8-61CC-4603-A589-7422A47A8E4A}"/>
+    </a:ext>
+  </a:extLst>
+</a:theme>
 </file>
--- a/docs/20210518_PrepforErinMeeting.pptx
+++ b/docs/20210518_PrepforErinMeeting.pptx
@@ -516,25 +516,7 @@
           <a:bodyPr/>
           <a:lstStyle/>
           <a:p>
-            <a:r>
-              <a:rPr lang="en-US" dirty="0"/>
-              <a:t>Pumpkin seed d13C – comparison organism d13C.</a:t>
-            </a:r>
-          </a:p>
-          <a:p>
             <a:endParaRPr lang="en-US" dirty="0"/>
-          </a:p>
-          <a:p>
-            <a:r>
-              <a:rPr lang="en-US" dirty="0"/>
-              <a:t>If the value is positive, the pumpkinseed is enriched relative to that prey item (pumpkinseed higher d13C value)</a:t>
-            </a:r>
-          </a:p>
-          <a:p>
-            <a:r>
-              <a:rPr lang="en-US" dirty="0"/>
-              <a:t>If the value is negative, the pumpkinseed is depleted relative to that prey item (pumpkinseed has a lower d13C value)</a:t>
-            </a:r>
           </a:p>
         </p:txBody>
       </p:sp>
@@ -555,7 +537,7 @@
           <a:p>
             <a:fld id="{5CE0CEED-C10A-1E43-AFDE-0861C86F1B52}" type="slidenum">
               <a:rPr lang="en-US" smtClean="0"/>
-              <a:t>7</a:t>
+              <a:t>3</a:t>
             </a:fld>
             <a:endParaRPr lang="en-US"/>
           </a:p>
@@ -564,7 +546,7 @@
     </p:spTree>
     <p:extLst>
       <p:ext uri="{BB962C8B-B14F-4D97-AF65-F5344CB8AC3E}">
-        <p14:creationId xmlns:p14="http://schemas.microsoft.com/office/powerpoint/2010/main" val="2194780348"/>
+        <p14:creationId xmlns:p14="http://schemas.microsoft.com/office/powerpoint/2010/main" val="699223353"/>
       </p:ext>
     </p:extLst>
   </p:cSld>
@@ -639,6 +621,195 @@
           <a:p>
             <a:fld id="{5CE0CEED-C10A-1E43-AFDE-0861C86F1B52}" type="slidenum">
               <a:rPr lang="en-US" smtClean="0"/>
+              <a:t>4</a:t>
+            </a:fld>
+            <a:endParaRPr lang="en-US"/>
+          </a:p>
+        </p:txBody>
+      </p:sp>
+    </p:spTree>
+    <p:extLst>
+      <p:ext uri="{BB962C8B-B14F-4D97-AF65-F5344CB8AC3E}">
+        <p14:creationId xmlns:p14="http://schemas.microsoft.com/office/powerpoint/2010/main" val="3431889377"/>
+      </p:ext>
+    </p:extLst>
+  </p:cSld>
+  <p:clrMapOvr>
+    <a:masterClrMapping/>
+  </p:clrMapOvr>
+</p:notes>
+</file>
+
+<file path=ppt/notesSlides/notesSlide3.xml><?xml version="1.0" encoding="utf-8"?>
+<p:notes xmlns:a="http://schemas.openxmlformats.org/drawingml/2006/main" xmlns:r="http://schemas.openxmlformats.org/officeDocument/2006/relationships" xmlns:p="http://schemas.openxmlformats.org/presentationml/2006/main">
+  <p:cSld>
+    <p:spTree>
+      <p:nvGrpSpPr>
+        <p:cNvPr id="1" name=""/>
+        <p:cNvGrpSpPr/>
+        <p:nvPr/>
+      </p:nvGrpSpPr>
+      <p:grpSpPr>
+        <a:xfrm>
+          <a:off x="0" y="0"/>
+          <a:ext cx="0" cy="0"/>
+          <a:chOff x="0" y="0"/>
+          <a:chExt cx="0" cy="0"/>
+        </a:xfrm>
+      </p:grpSpPr>
+      <p:sp>
+        <p:nvSpPr>
+          <p:cNvPr id="2" name="Slide Image Placeholder 1"/>
+          <p:cNvSpPr>
+            <a:spLocks noGrp="1" noRot="1" noChangeAspect="1"/>
+          </p:cNvSpPr>
+          <p:nvPr>
+            <p:ph type="sldImg"/>
+          </p:nvPr>
+        </p:nvSpPr>
+        <p:spPr/>
+      </p:sp>
+      <p:sp>
+        <p:nvSpPr>
+          <p:cNvPr id="3" name="Notes Placeholder 2"/>
+          <p:cNvSpPr>
+            <a:spLocks noGrp="1"/>
+          </p:cNvSpPr>
+          <p:nvPr>
+            <p:ph type="body" idx="1"/>
+          </p:nvPr>
+        </p:nvSpPr>
+        <p:spPr/>
+        <p:txBody>
+          <a:bodyPr/>
+          <a:lstStyle/>
+          <a:p>
+            <a:r>
+              <a:rPr lang="en-US" dirty="0"/>
+              <a:t>Pumpkin seed d13C – comparison organism d13C.</a:t>
+            </a:r>
+          </a:p>
+          <a:p>
+            <a:endParaRPr lang="en-US" dirty="0"/>
+          </a:p>
+          <a:p>
+            <a:r>
+              <a:rPr lang="en-US" dirty="0"/>
+              <a:t>If the value is positive, the pumpkinseed is enriched relative to that prey item (pumpkinseed higher d13C value)</a:t>
+            </a:r>
+          </a:p>
+          <a:p>
+            <a:r>
+              <a:rPr lang="en-US" dirty="0"/>
+              <a:t>If the value is negative, the pumpkinseed is depleted relative to that prey item (pumpkinseed has a lower d13C value)</a:t>
+            </a:r>
+          </a:p>
+        </p:txBody>
+      </p:sp>
+      <p:sp>
+        <p:nvSpPr>
+          <p:cNvPr id="4" name="Slide Number Placeholder 3"/>
+          <p:cNvSpPr>
+            <a:spLocks noGrp="1"/>
+          </p:cNvSpPr>
+          <p:nvPr>
+            <p:ph type="sldNum" sz="quarter" idx="5"/>
+          </p:nvPr>
+        </p:nvSpPr>
+        <p:spPr/>
+        <p:txBody>
+          <a:bodyPr/>
+          <a:lstStyle/>
+          <a:p>
+            <a:fld id="{5CE0CEED-C10A-1E43-AFDE-0861C86F1B52}" type="slidenum">
+              <a:rPr lang="en-US" smtClean="0"/>
+              <a:t>7</a:t>
+            </a:fld>
+            <a:endParaRPr lang="en-US"/>
+          </a:p>
+        </p:txBody>
+      </p:sp>
+    </p:spTree>
+    <p:extLst>
+      <p:ext uri="{BB962C8B-B14F-4D97-AF65-F5344CB8AC3E}">
+        <p14:creationId xmlns:p14="http://schemas.microsoft.com/office/powerpoint/2010/main" val="2194780348"/>
+      </p:ext>
+    </p:extLst>
+  </p:cSld>
+  <p:clrMapOvr>
+    <a:masterClrMapping/>
+  </p:clrMapOvr>
+</p:notes>
+</file>
+
+<file path=ppt/notesSlides/notesSlide4.xml><?xml version="1.0" encoding="utf-8"?>
+<p:notes xmlns:a="http://schemas.openxmlformats.org/drawingml/2006/main" xmlns:r="http://schemas.openxmlformats.org/officeDocument/2006/relationships" xmlns:p="http://schemas.openxmlformats.org/presentationml/2006/main">
+  <p:cSld>
+    <p:spTree>
+      <p:nvGrpSpPr>
+        <p:cNvPr id="1" name=""/>
+        <p:cNvGrpSpPr/>
+        <p:nvPr/>
+      </p:nvGrpSpPr>
+      <p:grpSpPr>
+        <a:xfrm>
+          <a:off x="0" y="0"/>
+          <a:ext cx="0" cy="0"/>
+          <a:chOff x="0" y="0"/>
+          <a:chExt cx="0" cy="0"/>
+        </a:xfrm>
+      </p:grpSpPr>
+      <p:sp>
+        <p:nvSpPr>
+          <p:cNvPr id="2" name="Slide Image Placeholder 1"/>
+          <p:cNvSpPr>
+            <a:spLocks noGrp="1" noRot="1" noChangeAspect="1"/>
+          </p:cNvSpPr>
+          <p:nvPr>
+            <p:ph type="sldImg"/>
+          </p:nvPr>
+        </p:nvSpPr>
+        <p:spPr/>
+      </p:sp>
+      <p:sp>
+        <p:nvSpPr>
+          <p:cNvPr id="3" name="Notes Placeholder 2"/>
+          <p:cNvSpPr>
+            <a:spLocks noGrp="1"/>
+          </p:cNvSpPr>
+          <p:nvPr>
+            <p:ph type="body" idx="1"/>
+          </p:nvPr>
+        </p:nvSpPr>
+        <p:spPr/>
+        <p:txBody>
+          <a:bodyPr/>
+          <a:lstStyle/>
+          <a:p>
+            <a:r>
+              <a:rPr lang="en-US" dirty="0"/>
+              <a:t>This is a</a:t>
+            </a:r>
+          </a:p>
+        </p:txBody>
+      </p:sp>
+      <p:sp>
+        <p:nvSpPr>
+          <p:cNvPr id="4" name="Slide Number Placeholder 3"/>
+          <p:cNvSpPr>
+            <a:spLocks noGrp="1"/>
+          </p:cNvSpPr>
+          <p:nvPr>
+            <p:ph type="sldNum" sz="quarter" idx="5"/>
+          </p:nvPr>
+        </p:nvSpPr>
+        <p:spPr/>
+        <p:txBody>
+          <a:bodyPr/>
+          <a:lstStyle/>
+          <a:p>
+            <a:fld id="{5CE0CEED-C10A-1E43-AFDE-0861C86F1B52}" type="slidenum">
+              <a:rPr lang="en-US" smtClean="0"/>
               <a:t>8</a:t>
             </a:fld>
             <a:endParaRPr lang="en-US"/>
@@ -658,7 +829,7 @@
 </p:notes>
 </file>
 
-<file path=ppt/notesSlides/notesSlide3.xml><?xml version="1.0" encoding="utf-8"?>
+<file path=ppt/notesSlides/notesSlide5.xml><?xml version="1.0" encoding="utf-8"?>
 <p:notes xmlns:a="http://schemas.openxmlformats.org/drawingml/2006/main" xmlns:r="http://schemas.openxmlformats.org/officeDocument/2006/relationships" xmlns:p="http://schemas.openxmlformats.org/presentationml/2006/main">
   <p:cSld>
     <p:spTree>
@@ -4016,7 +4187,7 @@
           <a:p>
             <a:r>
               <a:rPr lang="en-US" dirty="0"/>
-              <a:t>5/13/2021</a:t>
+              <a:t>5/18/2021</a:t>
             </a:r>
           </a:p>
           <a:p>
@@ -4077,7 +4248,7 @@
           <a:p>
             <a:r>
               <a:rPr lang="en-US" dirty="0"/>
-              <a:t>Data set overview</a:t>
+              <a:t>Data overview</a:t>
             </a:r>
           </a:p>
         </p:txBody>
@@ -4103,27 +4274,18 @@
           <a:bodyPr/>
           <a:lstStyle/>
           <a:p>
-            <a:pPr marL="0" indent="0">
-              <a:buNone/>
-            </a:pPr>
             <a:r>
               <a:rPr lang="en-US" dirty="0"/>
               <a:t>27 different lakes</a:t>
             </a:r>
           </a:p>
           <a:p>
-            <a:pPr marL="0" indent="0">
-              <a:buNone/>
-            </a:pPr>
             <a:r>
               <a:rPr lang="en-US" dirty="0"/>
-              <a:t>9 have &gt; 1 sampling event (Pine = 6, Wilderness = 3)</a:t>
-            </a:r>
-          </a:p>
-          <a:p>
-            <a:pPr marL="0" indent="0">
-              <a:buNone/>
-            </a:pPr>
+              <a:t>9 have &gt;1 sampling event (Pine = 6, Wilderness = 3)</a:t>
+            </a:r>
+          </a:p>
+          <a:p>
             <a:r>
               <a:rPr lang="en-US" dirty="0"/>
               <a:t>Excluding Pine 2013, there are 40 unique </a:t>
@@ -4190,7 +4352,7 @@
           <p:nvPr/>
         </p:nvPicPr>
         <p:blipFill>
-          <a:blip r:embed="rId2"/>
+          <a:blip r:embed="rId3"/>
           <a:stretch>
             <a:fillRect/>
           </a:stretch>
@@ -4250,7 +4412,7 @@
           <p:nvPr/>
         </p:nvPicPr>
         <p:blipFill>
-          <a:blip r:embed="rId2"/>
+          <a:blip r:embed="rId3"/>
           <a:stretch>
             <a:fillRect/>
           </a:stretch>
@@ -5444,7 +5606,7 @@
           <a:p>
             <a:r>
               <a:rPr lang="en-US" dirty="0"/>
-              <a:t>Can I do a mixing model to ID pumpkin seed invertebrate diet?  Short answer is not cleanly.</a:t>
+              <a:t>Can we do a mixing model to ID pumpkinseed invertebrate diet?  Short answer is not cleanly.</a:t>
             </a:r>
           </a:p>
         </p:txBody>
@@ -5470,7 +5632,10 @@
           <a:bodyPr/>
           <a:lstStyle/>
           <a:p>
-            <a:endParaRPr lang="en-US" dirty="0"/>
+            <a:r>
+              <a:rPr lang="en-US" dirty="0"/>
+              <a:t>Constraints</a:t>
+            </a:r>
           </a:p>
         </p:txBody>
       </p:sp>
@@ -5492,10 +5657,29 @@
         </p:nvSpPr>
         <p:spPr/>
         <p:txBody>
-          <a:bodyPr/>
-          <a:lstStyle/>
-          <a:p>
-            <a:endParaRPr lang="en-US" dirty="0"/>
+          <a:bodyPr>
+            <a:normAutofit fontScale="92500"/>
+          </a:bodyPr>
+          <a:lstStyle/>
+          <a:p>
+            <a:r>
+              <a:rPr lang="en-US" dirty="0"/>
+              <a:t>Pumpkinseed eat a wide variety of things, C &amp; N mixing models can only estimate from 3 sources.</a:t>
+            </a:r>
+          </a:p>
+          <a:p>
+            <a:r>
+              <a:rPr lang="en-US" dirty="0"/>
+              <a:t>Not clear on a universal (</a:t>
+            </a:r>
+            <a:r>
+              <a:rPr lang="en-US" dirty="0" err="1"/>
+              <a:t>ie</a:t>
+            </a:r>
+            <a:r>
+              <a:rPr lang="en-US" dirty="0"/>
+              <a:t>, works for all 40 lakes) clumping of prey into three meaningful categories/pools.</a:t>
+            </a:r>
           </a:p>
         </p:txBody>
       </p:sp>
@@ -5520,7 +5704,10 @@
           <a:bodyPr/>
           <a:lstStyle/>
           <a:p>
-            <a:endParaRPr lang="en-US" dirty="0"/>
+            <a:r>
+              <a:rPr lang="en-US" dirty="0"/>
+              <a:t>Alternatives</a:t>
+            </a:r>
           </a:p>
         </p:txBody>
       </p:sp>
@@ -5542,24 +5729,26 @@
         </p:nvSpPr>
         <p:spPr/>
         <p:txBody>
-          <a:bodyPr/>
+          <a:bodyPr>
+            <a:normAutofit fontScale="92500"/>
+          </a:bodyPr>
           <a:lstStyle/>
           <a:p>
             <a:r>
               <a:rPr lang="en-US" dirty="0"/>
-              <a:t>But I can test trends of pumpkin seed relative to resources</a:t>
+              <a:t>We can test trends of pumpkin seed relative to resources</a:t>
             </a:r>
           </a:p>
           <a:p>
             <a:r>
               <a:rPr lang="en-US" dirty="0"/>
-              <a:t>I can examine littoral vs pelagic</a:t>
+              <a:t>We can examine littoral vs pelagic</a:t>
             </a:r>
           </a:p>
           <a:p>
             <a:r>
               <a:rPr lang="en-US" dirty="0"/>
-              <a:t>I can do three source mixing models for this species and compare.</a:t>
+              <a:t>We can try three source mixing models for a species if willing to lose a lot of information. For example, top three prey items for pumpkinseed, then go from there?</a:t>
             </a:r>
           </a:p>
         </p:txBody>

--- a/docs/20210518_PrepforErinMeeting.pptx
+++ b/docs/20210518_PrepforErinMeeting.pptx
@@ -5,7 +5,7 @@
     <p:sldMasterId id="2147483648" r:id="rId1"/>
   </p:sldMasterIdLst>
   <p:notesMasterIdLst>
-    <p:notesMasterId r:id="rId11"/>
+    <p:notesMasterId r:id="rId12"/>
   </p:notesMasterIdLst>
   <p:sldIdLst>
     <p:sldId id="256" r:id="rId2"/>
@@ -17,6 +17,7 @@
     <p:sldId id="263" r:id="rId8"/>
     <p:sldId id="264" r:id="rId9"/>
     <p:sldId id="265" r:id="rId10"/>
+    <p:sldId id="266" r:id="rId11"/>
   </p:sldIdLst>
   <p:sldSz cx="12192000" cy="6858000"/>
   <p:notesSz cx="6858000" cy="9144000"/>
@@ -686,7 +687,21 @@
           <a:p>
             <a:r>
               <a:rPr lang="en-US" dirty="0"/>
-              <a:t>Pumpkin seed d13C – comparison organism d13C.</a:t>
+              <a:t>Pumpkin seed d13C – comparison organism d13C = </a:t>
+            </a:r>
+            <a:r>
+              <a:rPr lang="en-US"/>
+              <a:t>values plotted</a:t>
+            </a:r>
+            <a:endParaRPr lang="en-US" dirty="0"/>
+          </a:p>
+          <a:p>
+            <a:endParaRPr lang="en-US" dirty="0"/>
+          </a:p>
+          <a:p>
+            <a:r>
+              <a:rPr lang="en-US" dirty="0"/>
+              <a:t>Each dot is a lake, so we can see how distributed the lakes are</a:t>
             </a:r>
           </a:p>
           <a:p>
@@ -788,7 +803,52 @@
           <a:p>
             <a:r>
               <a:rPr lang="en-US" dirty="0"/>
-              <a:t>This is a</a:t>
+              <a:t>This is a basic box plot of the results from lake by lake, littoral vs pelagic reliance for each fish species. This is 17 </a:t>
+            </a:r>
+            <a:r>
+              <a:rPr lang="en-US" dirty="0" err="1"/>
+              <a:t>lake_year</a:t>
+            </a:r>
+            <a:r>
+              <a:rPr lang="en-US" dirty="0"/>
+              <a:t> sampling events that had both snails and zooplankton. These are the results from a two source mixing models, for all lakes, then the results per species summarized as a box plot. </a:t>
+            </a:r>
+          </a:p>
+          <a:p>
+            <a:endParaRPr lang="en-US" dirty="0"/>
+          </a:p>
+          <a:p>
+            <a:r>
+              <a:rPr lang="en-US" dirty="0"/>
+              <a:t>Details about the mixing models:</a:t>
+            </a:r>
+          </a:p>
+          <a:p>
+            <a:pPr marL="171450" indent="-171450">
+              <a:buFontTx/>
+              <a:buChar char="-"/>
+            </a:pPr>
+            <a:r>
+              <a:rPr lang="en-US" dirty="0"/>
+              <a:t>The results were not corrected for over or under-estimated fish or endmembers, hence the &lt;0 and &gt;1 values. </a:t>
+            </a:r>
+          </a:p>
+          <a:p>
+            <a:pPr marL="171450" indent="-171450">
+              <a:buFontTx/>
+              <a:buChar char="-"/>
+            </a:pPr>
+            <a:r>
+              <a:rPr lang="en-US" dirty="0"/>
+              <a:t>“Snails” includes all snails captured from a lake, so if there was more than one type of snail (or </a:t>
+            </a:r>
+            <a:r>
+              <a:rPr lang="en-US" dirty="0" err="1"/>
+              <a:t>zoop</a:t>
+            </a:r>
+            <a:r>
+              <a:rPr lang="en-US" dirty="0"/>
+              <a:t>) then I took the mean. Alternatively, I could always choose the most enriched and depleted endmembers if more than one value is available.</a:t>
             </a:r>
           </a:p>
         </p:txBody>
@@ -875,7 +935,7 @@
           <a:p>
             <a:r>
               <a:rPr lang="en-US" dirty="0"/>
-              <a:t>Density plot to complements the boxplot, just to see how different species compare.</a:t>
+              <a:t>Density plot to complement the boxplot. Similar info, just an alternative way to look at the littoral-pelagic mixing model results it that lets compare species.</a:t>
             </a:r>
           </a:p>
         </p:txBody>
@@ -907,6 +967,93 @@
     <p:extLst>
       <p:ext uri="{BB962C8B-B14F-4D97-AF65-F5344CB8AC3E}">
         <p14:creationId xmlns:p14="http://schemas.microsoft.com/office/powerpoint/2010/main" val="2160872192"/>
+      </p:ext>
+    </p:extLst>
+  </p:cSld>
+  <p:clrMapOvr>
+    <a:masterClrMapping/>
+  </p:clrMapOvr>
+</p:notes>
+</file>
+
+<file path=ppt/notesSlides/notesSlide6.xml><?xml version="1.0" encoding="utf-8"?>
+<p:notes xmlns:a="http://schemas.openxmlformats.org/drawingml/2006/main" xmlns:r="http://schemas.openxmlformats.org/officeDocument/2006/relationships" xmlns:p="http://schemas.openxmlformats.org/presentationml/2006/main">
+  <p:cSld>
+    <p:spTree>
+      <p:nvGrpSpPr>
+        <p:cNvPr id="1" name=""/>
+        <p:cNvGrpSpPr/>
+        <p:nvPr/>
+      </p:nvGrpSpPr>
+      <p:grpSpPr>
+        <a:xfrm>
+          <a:off x="0" y="0"/>
+          <a:ext cx="0" cy="0"/>
+          <a:chOff x="0" y="0"/>
+          <a:chExt cx="0" cy="0"/>
+        </a:xfrm>
+      </p:grpSpPr>
+      <p:sp>
+        <p:nvSpPr>
+          <p:cNvPr id="2" name="Slide Image Placeholder 1"/>
+          <p:cNvSpPr>
+            <a:spLocks noGrp="1" noRot="1" noChangeAspect="1"/>
+          </p:cNvSpPr>
+          <p:nvPr>
+            <p:ph type="sldImg"/>
+          </p:nvPr>
+        </p:nvSpPr>
+        <p:spPr/>
+      </p:sp>
+      <p:sp>
+        <p:nvSpPr>
+          <p:cNvPr id="3" name="Notes Placeholder 2"/>
+          <p:cNvSpPr>
+            <a:spLocks noGrp="1"/>
+          </p:cNvSpPr>
+          <p:nvPr>
+            <p:ph type="body" idx="1"/>
+          </p:nvPr>
+        </p:nvSpPr>
+        <p:spPr/>
+        <p:txBody>
+          <a:bodyPr/>
+          <a:lstStyle/>
+          <a:p>
+            <a:r>
+              <a:rPr lang="en-US" dirty="0"/>
+              <a:t>A quick comparison of all available samples for which we have both C &amp; N isotope data and As data, just looking in one place. I think this is the most informative, and I am curious how </a:t>
+            </a:r>
+          </a:p>
+        </p:txBody>
+      </p:sp>
+      <p:sp>
+        <p:nvSpPr>
+          <p:cNvPr id="4" name="Slide Number Placeholder 3"/>
+          <p:cNvSpPr>
+            <a:spLocks noGrp="1"/>
+          </p:cNvSpPr>
+          <p:nvPr>
+            <p:ph type="sldNum" sz="quarter" idx="5"/>
+          </p:nvPr>
+        </p:nvSpPr>
+        <p:spPr/>
+        <p:txBody>
+          <a:bodyPr/>
+          <a:lstStyle/>
+          <a:p>
+            <a:fld id="{5CE0CEED-C10A-1E43-AFDE-0861C86F1B52}" type="slidenum">
+              <a:rPr lang="en-US" smtClean="0"/>
+              <a:t>10</a:t>
+            </a:fld>
+            <a:endParaRPr lang="en-US"/>
+          </a:p>
+        </p:txBody>
+      </p:sp>
+    </p:spTree>
+    <p:extLst>
+      <p:ext uri="{BB962C8B-B14F-4D97-AF65-F5344CB8AC3E}">
+        <p14:creationId xmlns:p14="http://schemas.microsoft.com/office/powerpoint/2010/main" val="461939705"/>
       </p:ext>
     </p:extLst>
   </p:cSld>
@@ -4199,6 +4346,100 @@
     <p:extLst>
       <p:ext uri="{BB962C8B-B14F-4D97-AF65-F5344CB8AC3E}">
         <p14:creationId xmlns:p14="http://schemas.microsoft.com/office/powerpoint/2010/main" val="2557979117"/>
+      </p:ext>
+    </p:extLst>
+  </p:cSld>
+  <p:clrMapOvr>
+    <a:masterClrMapping/>
+  </p:clrMapOvr>
+</p:sld>
+</file>
+
+<file path=ppt/slides/slide10.xml><?xml version="1.0" encoding="utf-8"?>
+<p:sld xmlns:a="http://schemas.openxmlformats.org/drawingml/2006/main" xmlns:r="http://schemas.openxmlformats.org/officeDocument/2006/relationships" xmlns:p="http://schemas.openxmlformats.org/presentationml/2006/main">
+  <p:cSld>
+    <p:spTree>
+      <p:nvGrpSpPr>
+        <p:cNvPr id="1" name=""/>
+        <p:cNvGrpSpPr/>
+        <p:nvPr/>
+      </p:nvGrpSpPr>
+      <p:grpSpPr>
+        <a:xfrm>
+          <a:off x="0" y="0"/>
+          <a:ext cx="0" cy="0"/>
+          <a:chOff x="0" y="0"/>
+          <a:chExt cx="0" cy="0"/>
+        </a:xfrm>
+      </p:grpSpPr>
+      <p:sp>
+        <p:nvSpPr>
+          <p:cNvPr id="2" name="Title 1">
+            <a:extLst>
+              <a:ext uri="{FF2B5EF4-FFF2-40B4-BE49-F238E27FC236}">
+                <a16:creationId xmlns:a16="http://schemas.microsoft.com/office/drawing/2014/main" id="{12A10B83-046E-034A-8A8F-782AEA4E5E30}"/>
+              </a:ext>
+            </a:extLst>
+          </p:cNvPr>
+          <p:cNvSpPr>
+            <a:spLocks noGrp="1"/>
+          </p:cNvSpPr>
+          <p:nvPr>
+            <p:ph type="title"/>
+          </p:nvPr>
+        </p:nvSpPr>
+        <p:spPr>
+          <a:xfrm>
+            <a:off x="838200" y="0"/>
+            <a:ext cx="10515600" cy="642265"/>
+          </a:xfrm>
+        </p:spPr>
+        <p:txBody>
+          <a:bodyPr>
+            <a:normAutofit fontScale="90000"/>
+          </a:bodyPr>
+          <a:lstStyle/>
+          <a:p>
+            <a:r>
+              <a:rPr lang="en-US" dirty="0"/>
+              <a:t>Combined total As µg/g &amp; stable isotopes</a:t>
+            </a:r>
+          </a:p>
+        </p:txBody>
+      </p:sp>
+      <p:pic>
+        <p:nvPicPr>
+          <p:cNvPr id="5" name="Content Placeholder 4" descr="Chart, scatter chart, bubble chart&#10;&#10;Description automatically generated">
+            <a:extLst>
+              <a:ext uri="{FF2B5EF4-FFF2-40B4-BE49-F238E27FC236}">
+                <a16:creationId xmlns:a16="http://schemas.microsoft.com/office/drawing/2014/main" id="{63E5BC94-440D-5A4E-8E0E-19AA5658013F}"/>
+              </a:ext>
+            </a:extLst>
+          </p:cNvPr>
+          <p:cNvPicPr>
+            <a:picLocks noGrp="1" noChangeAspect="1"/>
+          </p:cNvPicPr>
+          <p:nvPr>
+            <p:ph idx="1"/>
+          </p:nvPr>
+        </p:nvPicPr>
+        <p:blipFill>
+          <a:blip r:embed="rId3"/>
+          <a:stretch>
+            <a:fillRect/>
+          </a:stretch>
+        </p:blipFill>
+        <p:spPr>
+          <a:xfrm>
+            <a:off x="838200" y="649671"/>
+            <a:ext cx="10347215" cy="6208329"/>
+          </a:xfrm>
+        </p:spPr>
+      </p:pic>
+    </p:spTree>
+    <p:extLst>
+      <p:ext uri="{BB962C8B-B14F-4D97-AF65-F5344CB8AC3E}">
+        <p14:creationId xmlns:p14="http://schemas.microsoft.com/office/powerpoint/2010/main" val="4221012743"/>
       </p:ext>
     </p:extLst>
   </p:cSld>
@@ -5751,6 +5992,12 @@
               <a:t>We can try three source mixing models for a species if willing to lose a lot of information. For example, top three prey items for pumpkinseed, then go from there?</a:t>
             </a:r>
           </a:p>
+          <a:p>
+            <a:pPr marL="0" indent="0">
+              <a:buNone/>
+            </a:pPr>
+            <a:endParaRPr lang="en-US" dirty="0"/>
+          </a:p>
         </p:txBody>
       </p:sp>
     </p:spTree>
@@ -5861,27 +6108,29 @@
         </p:nvSpPr>
         <p:spPr>
           <a:xfrm>
-            <a:off x="838200" y="0"/>
+            <a:off x="3012483" y="0"/>
             <a:ext cx="6167034" cy="867905"/>
           </a:xfrm>
         </p:spPr>
         <p:txBody>
-          <a:bodyPr/>
+          <a:bodyPr>
+            <a:normAutofit/>
+          </a:bodyPr>
           <a:lstStyle/>
           <a:p>
             <a:r>
               <a:rPr lang="en-US" dirty="0"/>
-              <a:t>Pelagic vs littoral reliance</a:t>
+              <a:t>pelagic-littoral reliance</a:t>
             </a:r>
           </a:p>
         </p:txBody>
       </p:sp>
       <p:pic>
         <p:nvPicPr>
-          <p:cNvPr id="5" name="Content Placeholder 4" descr="Chart&#10;&#10;Description automatically generated with low confidence">
-            <a:extLst>
-              <a:ext uri="{FF2B5EF4-FFF2-40B4-BE49-F238E27FC236}">
-                <a16:creationId xmlns:a16="http://schemas.microsoft.com/office/drawing/2014/main" id="{CA2E4CF1-05F5-694A-B33A-678ACFEACB0E}"/>
+          <p:cNvPr id="9" name="Content Placeholder 8" descr="Diagram&#10;&#10;Description automatically generated with medium confidence">
+            <a:extLst>
+              <a:ext uri="{FF2B5EF4-FFF2-40B4-BE49-F238E27FC236}">
+                <a16:creationId xmlns:a16="http://schemas.microsoft.com/office/drawing/2014/main" id="{3B742834-22EB-7B46-8D61-A0AFCC24D1CA}"/>
               </a:ext>
             </a:extLst>
           </p:cNvPr>
@@ -5900,8 +6149,8 @@
         </p:blipFill>
         <p:spPr>
           <a:xfrm>
-            <a:off x="1208868" y="712553"/>
-            <a:ext cx="9794929" cy="5876957"/>
+            <a:off x="728420" y="745761"/>
+            <a:ext cx="10187065" cy="6112239"/>
           </a:xfrm>
         </p:spPr>
       </p:pic>

--- a/docs/20210518_PrepforErinMeeting.pptx
+++ b/docs/20210518_PrepforErinMeeting.pptx
@@ -5,7 +5,7 @@
     <p:sldMasterId id="2147483648" r:id="rId1"/>
   </p:sldMasterIdLst>
   <p:notesMasterIdLst>
-    <p:notesMasterId r:id="rId12"/>
+    <p:notesMasterId r:id="rId14"/>
   </p:notesMasterIdLst>
   <p:sldIdLst>
     <p:sldId id="256" r:id="rId2"/>
@@ -18,6 +18,8 @@
     <p:sldId id="264" r:id="rId9"/>
     <p:sldId id="265" r:id="rId10"/>
     <p:sldId id="266" r:id="rId11"/>
+    <p:sldId id="268" r:id="rId12"/>
+    <p:sldId id="267" r:id="rId13"/>
   </p:sldIdLst>
   <p:sldSz cx="12192000" cy="6858000"/>
   <p:notesSz cx="6858000" cy="9144000"/>
@@ -517,7 +519,18 @@
           <a:bodyPr/>
           <a:lstStyle/>
           <a:p>
-            <a:endParaRPr lang="en-US" dirty="0"/>
+            <a:r>
+              <a:rPr lang="en-US" dirty="0"/>
+              <a:t>Quick and dirty. All </a:t>
+            </a:r>
+            <a:r>
+              <a:rPr lang="en-US" dirty="0" err="1"/>
+              <a:t>lake_year</a:t>
+            </a:r>
+            <a:r>
+              <a:rPr lang="en-US" dirty="0"/>
+              <a:t> C &amp; N samples plotted, just to get a sense of the big picture. Twenty sets, next slide has 20 more.</a:t>
+            </a:r>
           </a:p>
         </p:txBody>
       </p:sp>
@@ -687,21 +700,16 @@
           <a:p>
             <a:r>
               <a:rPr lang="en-US" dirty="0"/>
-              <a:t>Pumpkin seed d13C – comparison organism d13C = </a:t>
-            </a:r>
-            <a:r>
-              <a:rPr lang="en-US"/>
-              <a:t>values plotted</a:t>
-            </a:r>
+              <a:t>Pumpkin seed d13C – comparison organism d13C = values plotted</a:t>
+            </a:r>
+          </a:p>
+          <a:p>
             <a:endParaRPr lang="en-US" dirty="0"/>
           </a:p>
           <a:p>
-            <a:endParaRPr lang="en-US" dirty="0"/>
-          </a:p>
-          <a:p>
             <a:r>
               <a:rPr lang="en-US" dirty="0"/>
-              <a:t>Each dot is a lake, so we can see how distributed the lakes are</a:t>
+              <a:t>Each dot is a lake, so we can see how distributed the lakes are, behind the box plot. Quite a bit of variability that could be explored.</a:t>
             </a:r>
           </a:p>
           <a:p>
@@ -803,7 +811,7 @@
           <a:p>
             <a:r>
               <a:rPr lang="en-US" dirty="0"/>
-              <a:t>This is a basic box plot of the results from lake by lake, littoral vs pelagic reliance for each fish species. This is 17 </a:t>
+              <a:t>This is a basic box plot of the results from lake by lake, littoral vs pelagic stable isotope mixing models, summarized by fish species. This is 17 of the </a:t>
             </a:r>
             <a:r>
               <a:rPr lang="en-US" dirty="0" err="1"/>
@@ -811,7 +819,7 @@
             </a:r>
             <a:r>
               <a:rPr lang="en-US" dirty="0"/>
-              <a:t> sampling events that had both snails and zooplankton. These are the results from a two source mixing models, for all lakes, then the results per species summarized as a box plot. </a:t>
+              <a:t> sampling events; only the lakes that had both snails and zooplankton. </a:t>
             </a:r>
           </a:p>
           <a:p>
@@ -1022,7 +1030,7 @@
           <a:p>
             <a:r>
               <a:rPr lang="en-US" dirty="0"/>
-              <a:t>A quick comparison of all available samples for which we have both C &amp; N isotope data and As data, just looking in one place. I think this is the most informative, and I am curious how </a:t>
+              <a:t>A quick comparison of all available samples for which we have both C &amp; N isotope data and As data, from the sheet that Erin shared. Circle size reflects the arsenic concentration in ug/g</a:t>
             </a:r>
           </a:p>
         </p:txBody>
@@ -1054,6 +1062,93 @@
     <p:extLst>
       <p:ext uri="{BB962C8B-B14F-4D97-AF65-F5344CB8AC3E}">
         <p14:creationId xmlns:p14="http://schemas.microsoft.com/office/powerpoint/2010/main" val="461939705"/>
+      </p:ext>
+    </p:extLst>
+  </p:cSld>
+  <p:clrMapOvr>
+    <a:masterClrMapping/>
+  </p:clrMapOvr>
+</p:notes>
+</file>
+
+<file path=ppt/notesSlides/notesSlide7.xml><?xml version="1.0" encoding="utf-8"?>
+<p:notes xmlns:a="http://schemas.openxmlformats.org/drawingml/2006/main" xmlns:r="http://schemas.openxmlformats.org/officeDocument/2006/relationships" xmlns:p="http://schemas.openxmlformats.org/presentationml/2006/main">
+  <p:cSld>
+    <p:spTree>
+      <p:nvGrpSpPr>
+        <p:cNvPr id="1" name=""/>
+        <p:cNvGrpSpPr/>
+        <p:nvPr/>
+      </p:nvGrpSpPr>
+      <p:grpSpPr>
+        <a:xfrm>
+          <a:off x="0" y="0"/>
+          <a:ext cx="0" cy="0"/>
+          <a:chOff x="0" y="0"/>
+          <a:chExt cx="0" cy="0"/>
+        </a:xfrm>
+      </p:grpSpPr>
+      <p:sp>
+        <p:nvSpPr>
+          <p:cNvPr id="2" name="Slide Image Placeholder 1"/>
+          <p:cNvSpPr>
+            <a:spLocks noGrp="1" noRot="1" noChangeAspect="1"/>
+          </p:cNvSpPr>
+          <p:nvPr>
+            <p:ph type="sldImg"/>
+          </p:nvPr>
+        </p:nvSpPr>
+        <p:spPr/>
+      </p:sp>
+      <p:sp>
+        <p:nvSpPr>
+          <p:cNvPr id="3" name="Notes Placeholder 2"/>
+          <p:cNvSpPr>
+            <a:spLocks noGrp="1"/>
+          </p:cNvSpPr>
+          <p:nvPr>
+            <p:ph type="body" idx="1"/>
+          </p:nvPr>
+        </p:nvSpPr>
+        <p:spPr/>
+        <p:txBody>
+          <a:bodyPr/>
+          <a:lstStyle/>
+          <a:p>
+            <a:r>
+              <a:rPr lang="en-US" dirty="0"/>
+              <a:t>All lakes, only useful if on large screen.</a:t>
+            </a:r>
+          </a:p>
+        </p:txBody>
+      </p:sp>
+      <p:sp>
+        <p:nvSpPr>
+          <p:cNvPr id="4" name="Slide Number Placeholder 3"/>
+          <p:cNvSpPr>
+            <a:spLocks noGrp="1"/>
+          </p:cNvSpPr>
+          <p:nvPr>
+            <p:ph type="sldNum" sz="quarter" idx="5"/>
+          </p:nvPr>
+        </p:nvSpPr>
+        <p:spPr/>
+        <p:txBody>
+          <a:bodyPr/>
+          <a:lstStyle/>
+          <a:p>
+            <a:fld id="{5CE0CEED-C10A-1E43-AFDE-0861C86F1B52}" type="slidenum">
+              <a:rPr lang="en-US" smtClean="0"/>
+              <a:t>12</a:t>
+            </a:fld>
+            <a:endParaRPr lang="en-US"/>
+          </a:p>
+        </p:txBody>
+      </p:sp>
+    </p:spTree>
+    <p:extLst>
+      <p:ext uri="{BB962C8B-B14F-4D97-AF65-F5344CB8AC3E}">
+        <p14:creationId xmlns:p14="http://schemas.microsoft.com/office/powerpoint/2010/main" val="742424302"/>
       </p:ext>
     </p:extLst>
   </p:cSld>
@@ -4449,6 +4544,124 @@
 </p:sld>
 </file>
 
+<file path=ppt/slides/slide11.xml><?xml version="1.0" encoding="utf-8"?>
+<p:sld xmlns:a="http://schemas.openxmlformats.org/drawingml/2006/main" xmlns:r="http://schemas.openxmlformats.org/officeDocument/2006/relationships" xmlns:p="http://schemas.openxmlformats.org/presentationml/2006/main">
+  <p:cSld>
+    <p:spTree>
+      <p:nvGrpSpPr>
+        <p:cNvPr id="1" name=""/>
+        <p:cNvGrpSpPr/>
+        <p:nvPr/>
+      </p:nvGrpSpPr>
+      <p:grpSpPr>
+        <a:xfrm>
+          <a:off x="0" y="0"/>
+          <a:ext cx="0" cy="0"/>
+          <a:chOff x="0" y="0"/>
+          <a:chExt cx="0" cy="0"/>
+        </a:xfrm>
+      </p:grpSpPr>
+      <p:sp>
+        <p:nvSpPr>
+          <p:cNvPr id="2" name="Title 1">
+            <a:extLst>
+              <a:ext uri="{FF2B5EF4-FFF2-40B4-BE49-F238E27FC236}">
+                <a16:creationId xmlns:a16="http://schemas.microsoft.com/office/drawing/2014/main" id="{1F6B0728-1FB6-C042-A84F-2CE47570ABFE}"/>
+              </a:ext>
+            </a:extLst>
+          </p:cNvPr>
+          <p:cNvSpPr>
+            <a:spLocks noGrp="1"/>
+          </p:cNvSpPr>
+          <p:nvPr>
+            <p:ph type="title"/>
+          </p:nvPr>
+        </p:nvSpPr>
+        <p:spPr/>
+        <p:txBody>
+          <a:bodyPr/>
+          <a:lstStyle/>
+          <a:p>
+            <a:r>
+              <a:rPr lang="en-US" dirty="0"/>
+              <a:t>Extra</a:t>
+            </a:r>
+          </a:p>
+        </p:txBody>
+      </p:sp>
+    </p:spTree>
+    <p:extLst>
+      <p:ext uri="{BB962C8B-B14F-4D97-AF65-F5344CB8AC3E}">
+        <p14:creationId xmlns:p14="http://schemas.microsoft.com/office/powerpoint/2010/main" val="4055438139"/>
+      </p:ext>
+    </p:extLst>
+  </p:cSld>
+  <p:clrMapOvr>
+    <a:masterClrMapping/>
+  </p:clrMapOvr>
+</p:sld>
+</file>
+
+<file path=ppt/slides/slide12.xml><?xml version="1.0" encoding="utf-8"?>
+<p:sld xmlns:a="http://schemas.openxmlformats.org/drawingml/2006/main" xmlns:r="http://schemas.openxmlformats.org/officeDocument/2006/relationships" xmlns:p="http://schemas.openxmlformats.org/presentationml/2006/main">
+  <p:cSld>
+    <p:spTree>
+      <p:nvGrpSpPr>
+        <p:cNvPr id="1" name=""/>
+        <p:cNvGrpSpPr/>
+        <p:nvPr/>
+      </p:nvGrpSpPr>
+      <p:grpSpPr>
+        <a:xfrm>
+          <a:off x="0" y="0"/>
+          <a:ext cx="0" cy="0"/>
+          <a:chOff x="0" y="0"/>
+          <a:chExt cx="0" cy="0"/>
+        </a:xfrm>
+      </p:grpSpPr>
+      <p:pic>
+        <p:nvPicPr>
+          <p:cNvPr id="3" name="Picture 2" descr="Calendar&#10;&#10;Description automatically generated">
+            <a:extLst>
+              <a:ext uri="{FF2B5EF4-FFF2-40B4-BE49-F238E27FC236}">
+                <a16:creationId xmlns:a16="http://schemas.microsoft.com/office/drawing/2014/main" id="{166B54A2-BD54-CD49-AB9D-C3BB97437DED}"/>
+              </a:ext>
+            </a:extLst>
+          </p:cNvPr>
+          <p:cNvPicPr>
+            <a:picLocks noChangeAspect="1"/>
+          </p:cNvPicPr>
+          <p:nvPr/>
+        </p:nvPicPr>
+        <p:blipFill>
+          <a:blip r:embed="rId3"/>
+          <a:stretch>
+            <a:fillRect/>
+          </a:stretch>
+        </p:blipFill>
+        <p:spPr>
+          <a:xfrm>
+            <a:off x="0" y="0"/>
+            <a:ext cx="12192000" cy="6858000"/>
+          </a:xfrm>
+          <a:prstGeom prst="rect">
+            <a:avLst/>
+          </a:prstGeom>
+        </p:spPr>
+      </p:pic>
+    </p:spTree>
+    <p:extLst>
+      <p:ext uri="{BB962C8B-B14F-4D97-AF65-F5344CB8AC3E}">
+        <p14:creationId xmlns:p14="http://schemas.microsoft.com/office/powerpoint/2010/main" val="1389105177"/>
+      </p:ext>
+    </p:extLst>
+  </p:cSld>
+  <p:clrMapOvr>
+    <a:masterClrMapping/>
+  </p:clrMapOvr>
+</p:sld>
+</file>
+
 <file path=ppt/slides/slide2.xml><?xml version="1.0" encoding="utf-8"?>
 <p:sld xmlns:a="http://schemas.openxmlformats.org/drawingml/2006/main" xmlns:r="http://schemas.openxmlformats.org/officeDocument/2006/relationships" xmlns:p="http://schemas.openxmlformats.org/presentationml/2006/main">
   <p:cSld>
@@ -4580,10 +4793,10 @@
       </p:grpSpPr>
       <p:pic>
         <p:nvPicPr>
-          <p:cNvPr id="3" name="Picture 2" descr="Map&#10;&#10;Description automatically generated with low confidence">
-            <a:extLst>
-              <a:ext uri="{FF2B5EF4-FFF2-40B4-BE49-F238E27FC236}">
-                <a16:creationId xmlns:a16="http://schemas.microsoft.com/office/drawing/2014/main" id="{3AFA698F-AB12-3A45-A916-442035649DDE}"/>
+          <p:cNvPr id="4" name="Picture 3" descr="Calendar&#10;&#10;Description automatically generated">
+            <a:extLst>
+              <a:ext uri="{FF2B5EF4-FFF2-40B4-BE49-F238E27FC236}">
+                <a16:creationId xmlns:a16="http://schemas.microsoft.com/office/drawing/2014/main" id="{CCF8AD93-AA14-9946-BF3A-05DB53775B7B}"/>
               </a:ext>
             </a:extLst>
           </p:cNvPr>
@@ -4600,8 +4813,8 @@
         </p:blipFill>
         <p:spPr>
           <a:xfrm>
-            <a:off x="0" y="381000"/>
-            <a:ext cx="12192000" cy="6096000"/>
+            <a:off x="0" y="0"/>
+            <a:ext cx="12192000" cy="6858000"/>
           </a:xfrm>
           <a:prstGeom prst="rect">
             <a:avLst/>
@@ -4640,10 +4853,10 @@
       </p:grpSpPr>
       <p:pic>
         <p:nvPicPr>
-          <p:cNvPr id="3" name="Picture 2" descr="Map&#10;&#10;Description automatically generated">
-            <a:extLst>
-              <a:ext uri="{FF2B5EF4-FFF2-40B4-BE49-F238E27FC236}">
-                <a16:creationId xmlns:a16="http://schemas.microsoft.com/office/drawing/2014/main" id="{13A4C0AA-36ED-A740-A90F-13C57C9701AB}"/>
+          <p:cNvPr id="4" name="Picture 3" descr="Calendar&#10;&#10;Description automatically generated">
+            <a:extLst>
+              <a:ext uri="{FF2B5EF4-FFF2-40B4-BE49-F238E27FC236}">
+                <a16:creationId xmlns:a16="http://schemas.microsoft.com/office/drawing/2014/main" id="{8DF48184-31BE-AC43-9FE6-F4B449965CF8}"/>
               </a:ext>
             </a:extLst>
           </p:cNvPr>
@@ -4660,8 +4873,8 @@
         </p:blipFill>
         <p:spPr>
           <a:xfrm>
-            <a:off x="72190" y="417095"/>
-            <a:ext cx="12063662" cy="6031831"/>
+            <a:off x="0" y="0"/>
+            <a:ext cx="12192000" cy="6858000"/>
           </a:xfrm>
           <a:prstGeom prst="rect">
             <a:avLst/>
@@ -5841,13 +6054,13 @@
         <p:spPr/>
         <p:txBody>
           <a:bodyPr>
-            <a:normAutofit fontScale="90000"/>
+            <a:normAutofit/>
           </a:bodyPr>
           <a:lstStyle/>
           <a:p>
             <a:r>
               <a:rPr lang="en-US" dirty="0"/>
-              <a:t>Can we do a mixing model to ID pumpkinseed invertebrate diet?  Short answer is not cleanly.</a:t>
+              <a:t>Can we do a mixing model to ID pumpkinseed invertebrate diet?  Short answer, not cleanly.</a:t>
             </a:r>
           </a:p>
         </p:txBody>
@@ -5899,27 +6112,19 @@
         <p:spPr/>
         <p:txBody>
           <a:bodyPr>
-            <a:normAutofit fontScale="92500"/>
+            <a:normAutofit fontScale="92500" lnSpcReduction="20000"/>
           </a:bodyPr>
           <a:lstStyle/>
           <a:p>
             <a:r>
               <a:rPr lang="en-US" dirty="0"/>
-              <a:t>Pumpkinseed eat a wide variety of things, C &amp; N mixing models can only estimate from 3 sources.</a:t>
+              <a:t>Pumpkinseed consume a wide variety of prey. C &amp; N mixing models can only estimate from 3 sources.</a:t>
             </a:r>
           </a:p>
           <a:p>
             <a:r>
               <a:rPr lang="en-US" dirty="0"/>
-              <a:t>Not clear on a universal (</a:t>
-            </a:r>
-            <a:r>
-              <a:rPr lang="en-US" dirty="0" err="1"/>
-              <a:t>ie</a:t>
-            </a:r>
-            <a:r>
-              <a:rPr lang="en-US" dirty="0"/>
-              <a:t>, works for all 40 lakes) clumping of prey into three meaningful categories/pools.</a:t>
+              <a:t>Not clear on a universal (i.e., works for all 40 lakes) clumping of prey into three meaningful categories/pools.</a:t>
             </a:r>
           </a:p>
         </p:txBody>
@@ -5971,25 +6176,25 @@
         <p:spPr/>
         <p:txBody>
           <a:bodyPr>
-            <a:normAutofit fontScale="92500"/>
+            <a:normAutofit fontScale="92500" lnSpcReduction="20000"/>
           </a:bodyPr>
           <a:lstStyle/>
           <a:p>
             <a:r>
               <a:rPr lang="en-US" dirty="0"/>
-              <a:t>We can test trends of pumpkin seed relative to resources</a:t>
+              <a:t>We can test trends of pumpkin seed relative to particular resources.</a:t>
             </a:r>
           </a:p>
           <a:p>
             <a:r>
               <a:rPr lang="en-US" dirty="0"/>
-              <a:t>We can examine littoral vs pelagic</a:t>
+              <a:t>We can examine littoral vs pelagic reliance.</a:t>
             </a:r>
           </a:p>
           <a:p>
             <a:r>
               <a:rPr lang="en-US" dirty="0"/>
-              <a:t>We can try three source mixing models for a species if willing to lose a lot of information. For example, top three prey items for pumpkinseed, then go from there?</a:t>
+              <a:t>We can try three source mixing models for a species if we are willing to lose information and the items are adequately spread apart. For example, top three prey items for pumpkinseed, then go from there?</a:t>
             </a:r>
           </a:p>
           <a:p>
